--- a/docs/AzureOpenAI.pptx
+++ b/docs/AzureOpenAI.pptx
@@ -6,10 +6,10 @@
     <p:sldMasterId id="2147484608" r:id="rId5"/>
   </p:sldMasterIdLst>
   <p:notesMasterIdLst>
-    <p:notesMasterId r:id="rId23"/>
+    <p:notesMasterId r:id="rId22"/>
   </p:notesMasterIdLst>
   <p:handoutMasterIdLst>
-    <p:handoutMasterId r:id="rId24"/>
+    <p:handoutMasterId r:id="rId23"/>
   </p:handoutMasterIdLst>
   <p:sldIdLst>
     <p:sldId id="1680" r:id="rId6"/>
@@ -17,18 +17,17 @@
     <p:sldId id="1732" r:id="rId8"/>
     <p:sldId id="1729" r:id="rId9"/>
     <p:sldId id="1728" r:id="rId10"/>
-    <p:sldId id="1710" r:id="rId11"/>
-    <p:sldId id="1709" r:id="rId12"/>
-    <p:sldId id="1708" r:id="rId13"/>
-    <p:sldId id="1712" r:id="rId14"/>
-    <p:sldId id="1715" r:id="rId15"/>
-    <p:sldId id="1718" r:id="rId16"/>
-    <p:sldId id="1734" r:id="rId17"/>
-    <p:sldId id="1719" r:id="rId18"/>
-    <p:sldId id="1721" r:id="rId19"/>
-    <p:sldId id="1725" r:id="rId20"/>
-    <p:sldId id="1735" r:id="rId21"/>
-    <p:sldId id="1706" r:id="rId22"/>
+    <p:sldId id="1709" r:id="rId11"/>
+    <p:sldId id="1710" r:id="rId12"/>
+    <p:sldId id="1712" r:id="rId13"/>
+    <p:sldId id="1715" r:id="rId14"/>
+    <p:sldId id="1718" r:id="rId15"/>
+    <p:sldId id="1734" r:id="rId16"/>
+    <p:sldId id="1719" r:id="rId17"/>
+    <p:sldId id="1721" r:id="rId18"/>
+    <p:sldId id="1725" r:id="rId19"/>
+    <p:sldId id="1735" r:id="rId20"/>
+    <p:sldId id="1706" r:id="rId21"/>
   </p:sldIdLst>
   <p:sldSz cx="12436475" cy="6994525"/>
   <p:notesSz cx="6858000" cy="9144000"/>
@@ -137,9 +136,8 @@
             <p14:sldId id="1732"/>
             <p14:sldId id="1729"/>
             <p14:sldId id="1728"/>
+            <p14:sldId id="1709"/>
             <p14:sldId id="1710"/>
-            <p14:sldId id="1709"/>
-            <p14:sldId id="1708"/>
             <p14:sldId id="1712"/>
             <p14:sldId id="1715"/>
             <p14:sldId id="1718"/>
@@ -3142,7 +3140,7 @@
               <a:rPr lang="en-US" smtClean="0">
                 <a:latin typeface="Segoe UI" pitchFamily="34" charset="0"/>
               </a:rPr>
-              <a:t>8/6/2024 1:10 PM</a:t>
+              <a:t>8/6/2024 1:30 PM</a:t>
             </a:fld>
             <a:endParaRPr lang="en-US">
               <a:latin typeface="Segoe UI" pitchFamily="34" charset="0"/>
@@ -3420,7 +3418,7 @@
           <a:p>
             <a:fld id="{DCE60099-03E7-4FA1-8A7F-E6E6CFB0F855}" type="datetime8">
               <a:rPr lang="en-US" smtClean="0"/>
-              <a:t>8/6/2024 1:10 PM</a:t>
+              <a:t>8/6/2024 1:30 PM</a:t>
             </a:fld>
             <a:endParaRPr lang="en-US"/>
           </a:p>
@@ -4674,7 +4672,7 @@
     </p:spTree>
     <p:extLst>
       <p:ext uri="{BB962C8B-B14F-4D97-AF65-F5344CB8AC3E}">
-        <p14:creationId xmlns:p14="http://schemas.microsoft.com/office/powerpoint/2010/main" val="2112005226"/>
+        <p14:creationId xmlns:p14="http://schemas.microsoft.com/office/powerpoint/2010/main" val="3350812317"/>
       </p:ext>
     </p:extLst>
   </p:cSld>
@@ -4816,7 +4814,7 @@
     </p:spTree>
     <p:extLst>
       <p:ext uri="{BB962C8B-B14F-4D97-AF65-F5344CB8AC3E}">
-        <p14:creationId xmlns:p14="http://schemas.microsoft.com/office/powerpoint/2010/main" val="3350812317"/>
+        <p14:creationId xmlns:p14="http://schemas.microsoft.com/office/powerpoint/2010/main" val="2112005226"/>
       </p:ext>
     </p:extLst>
   </p:cSld>
@@ -4949,7 +4947,7 @@
             <a:fld id="{B4008EB6-D09E-4580-8CD6-DDB14511944F}" type="slidenum">
               <a:rPr lang="en-US" smtClean="0"/>
               <a:pPr/>
-              <a:t>9</a:t>
+              <a:t>8</a:t>
             </a:fld>
             <a:endParaRPr lang="en-US"/>
           </a:p>
@@ -5091,7 +5089,7 @@
             <a:fld id="{B4008EB6-D09E-4580-8CD6-DDB14511944F}" type="slidenum">
               <a:rPr lang="en-US" smtClean="0"/>
               <a:pPr/>
-              <a:t>10</a:t>
+              <a:t>9</a:t>
             </a:fld>
             <a:endParaRPr lang="en-US"/>
           </a:p>
@@ -23633,271 +23631,6 @@
       </p:grpSpPr>
       <p:sp>
         <p:nvSpPr>
-          <p:cNvPr id="6" name="Espaço Reservado para Texto 2">
-            <a:extLst>
-              <a:ext uri="{FF2B5EF4-FFF2-40B4-BE49-F238E27FC236}">
-                <a16:creationId xmlns:a16="http://schemas.microsoft.com/office/drawing/2014/main" id="{4241B9D4-4E11-C865-F7EE-C8ADDF366F9D}"/>
-              </a:ext>
-            </a:extLst>
-          </p:cNvPr>
-          <p:cNvSpPr txBox="1">
-            <a:spLocks/>
-          </p:cNvSpPr>
-          <p:nvPr/>
-        </p:nvSpPr>
-        <p:spPr>
-          <a:xfrm>
-            <a:off x="451338" y="803485"/>
-            <a:ext cx="9795376" cy="923330"/>
-          </a:xfrm>
-          <a:prstGeom prst="rect">
-            <a:avLst/>
-          </a:prstGeom>
-        </p:spPr>
-        <p:txBody>
-          <a:bodyPr vert="horz" wrap="square" lIns="0" tIns="91440" rIns="146304" bIns="91440" rtlCol="0">
-            <a:spAutoFit/>
-          </a:bodyPr>
-          <a:lstStyle>
-            <a:lvl1pPr marL="0" marR="0" indent="0" algn="l" defTabSz="932742" rtl="0" eaLnBrk="1" fontAlgn="auto" latinLnBrk="0" hangingPunct="1">
-              <a:lnSpc>
-                <a:spcPct val="100000"/>
-              </a:lnSpc>
-              <a:spcBef>
-                <a:spcPts val="0"/>
-              </a:spcBef>
-              <a:spcAft>
-                <a:spcPts val="0"/>
-              </a:spcAft>
-              <a:buClrTx/>
-              <a:buSzPct val="90000"/>
-              <a:buFont typeface="Wingdings" panose="05000000000000000000" pitchFamily="2" charset="2"/>
-              <a:buNone/>
-              <a:tabLst/>
-              <a:defRPr sz="1800" kern="1200" spc="-50" baseline="0">
-                <a:solidFill>
-                  <a:schemeClr val="bg2"/>
-                </a:solidFill>
-                <a:latin typeface="+mj-lt"/>
-                <a:ea typeface="+mn-ea"/>
-                <a:cs typeface="+mn-cs"/>
-              </a:defRPr>
-            </a:lvl1pPr>
-            <a:lvl2pPr marL="0" marR="0" indent="0" algn="l" defTabSz="932742" rtl="0" eaLnBrk="1" fontAlgn="auto" latinLnBrk="0" hangingPunct="1">
-              <a:lnSpc>
-                <a:spcPct val="100000"/>
-              </a:lnSpc>
-              <a:spcBef>
-                <a:spcPts val="0"/>
-              </a:spcBef>
-              <a:spcAft>
-                <a:spcPts val="0"/>
-              </a:spcAft>
-              <a:buClrTx/>
-              <a:buSzPct val="90000"/>
-              <a:buFontTx/>
-              <a:buNone/>
-              <a:tabLst/>
-              <a:defRPr sz="1800" kern="1200" spc="0" baseline="0">
-                <a:solidFill>
-                  <a:srgbClr val="000000"/>
-                </a:solidFill>
-                <a:latin typeface="+mn-lt"/>
-                <a:ea typeface="+mn-ea"/>
-                <a:cs typeface="+mn-cs"/>
-              </a:defRPr>
-            </a:lvl2pPr>
-            <a:lvl3pPr marL="0" marR="0" indent="0" algn="l" defTabSz="932742" rtl="0" eaLnBrk="1" fontAlgn="auto" latinLnBrk="0" hangingPunct="1">
-              <a:lnSpc>
-                <a:spcPct val="100000"/>
-              </a:lnSpc>
-              <a:spcBef>
-                <a:spcPts val="0"/>
-              </a:spcBef>
-              <a:spcAft>
-                <a:spcPts val="0"/>
-              </a:spcAft>
-              <a:buClrTx/>
-              <a:buSzPct val="90000"/>
-              <a:buFont typeface="Wingdings" panose="05000000000000000000" pitchFamily="2" charset="2"/>
-              <a:buNone/>
-              <a:tabLst/>
-              <a:defRPr sz="1400" kern="1200" spc="0" baseline="0">
-                <a:solidFill>
-                  <a:schemeClr val="tx2"/>
-                </a:solidFill>
-                <a:latin typeface="+mj-lt"/>
-                <a:ea typeface="+mn-ea"/>
-                <a:cs typeface="+mn-cs"/>
-              </a:defRPr>
-            </a:lvl3pPr>
-            <a:lvl4pPr marL="0" marR="0" indent="0" algn="l" defTabSz="932742" rtl="0" eaLnBrk="1" fontAlgn="auto" latinLnBrk="0" hangingPunct="1">
-              <a:lnSpc>
-                <a:spcPct val="100000"/>
-              </a:lnSpc>
-              <a:spcBef>
-                <a:spcPts val="0"/>
-              </a:spcBef>
-              <a:spcAft>
-                <a:spcPts val="0"/>
-              </a:spcAft>
-              <a:buClrTx/>
-              <a:buSzPct val="90000"/>
-              <a:buFont typeface="Wingdings" panose="05000000000000000000" pitchFamily="2" charset="2"/>
-              <a:buNone/>
-              <a:tabLst/>
-              <a:defRPr sz="1400" kern="1200" spc="0" baseline="0">
-                <a:solidFill>
-                  <a:srgbClr val="000000"/>
-                </a:solidFill>
-                <a:latin typeface="+mn-lt"/>
-                <a:ea typeface="+mn-ea"/>
-                <a:cs typeface="+mn-cs"/>
-              </a:defRPr>
-            </a:lvl4pPr>
-            <a:lvl5pPr marL="0" marR="0" indent="0" algn="l" defTabSz="932742" rtl="0" eaLnBrk="1" fontAlgn="auto" latinLnBrk="0" hangingPunct="1">
-              <a:lnSpc>
-                <a:spcPct val="100000"/>
-              </a:lnSpc>
-              <a:spcBef>
-                <a:spcPts val="0"/>
-              </a:spcBef>
-              <a:spcAft>
-                <a:spcPts val="0"/>
-              </a:spcAft>
-              <a:buClrTx/>
-              <a:buSzPct val="90000"/>
-              <a:buFont typeface="Wingdings" panose="05000000000000000000" pitchFamily="2" charset="2"/>
-              <a:buNone/>
-              <a:tabLst/>
-              <a:defRPr sz="1050" b="1" kern="1200" spc="0" baseline="0">
-                <a:solidFill>
-                  <a:srgbClr val="000000"/>
-                </a:solidFill>
-                <a:latin typeface="+mn-lt"/>
-                <a:ea typeface="+mn-ea"/>
-                <a:cs typeface="+mn-cs"/>
-              </a:defRPr>
-            </a:lvl5pPr>
-            <a:lvl6pPr marL="2331854" indent="0" algn="l" defTabSz="932742" rtl="0" eaLnBrk="1" latinLnBrk="0" hangingPunct="1">
-              <a:spcBef>
-                <a:spcPct val="20000"/>
-              </a:spcBef>
-              <a:buFont typeface="Arial" pitchFamily="34" charset="0"/>
-              <a:buNone/>
-              <a:defRPr sz="2000" kern="1200">
-                <a:solidFill>
-                  <a:schemeClr val="tx1"/>
-                </a:solidFill>
-                <a:latin typeface="+mn-lt"/>
-                <a:ea typeface="+mn-ea"/>
-                <a:cs typeface="+mn-cs"/>
-              </a:defRPr>
-            </a:lvl6pPr>
-            <a:lvl7pPr marL="0" indent="0" algn="l" defTabSz="932742" rtl="0" eaLnBrk="1" latinLnBrk="0" hangingPunct="1">
-              <a:lnSpc>
-                <a:spcPct val="100000"/>
-              </a:lnSpc>
-              <a:spcBef>
-                <a:spcPts val="0"/>
-              </a:spcBef>
-              <a:spcAft>
-                <a:spcPts val="0"/>
-              </a:spcAft>
-              <a:buFont typeface="Arial" pitchFamily="34" charset="0"/>
-              <a:buNone/>
-              <a:defRPr sz="1000" kern="1200">
-                <a:solidFill>
-                  <a:srgbClr val="000000"/>
-                </a:solidFill>
-                <a:latin typeface="+mn-lt"/>
-                <a:ea typeface="+mn-ea"/>
-                <a:cs typeface="+mn-cs"/>
-              </a:defRPr>
-            </a:lvl7pPr>
-            <a:lvl8pPr marL="3497783" indent="-233186" algn="l" defTabSz="932742" rtl="0" eaLnBrk="1" latinLnBrk="0" hangingPunct="1">
-              <a:spcBef>
-                <a:spcPct val="20000"/>
-              </a:spcBef>
-              <a:buFont typeface="Arial" pitchFamily="34" charset="0"/>
-              <a:buChar char="•"/>
-              <a:defRPr sz="2000" kern="1200">
-                <a:solidFill>
-                  <a:schemeClr val="tx1"/>
-                </a:solidFill>
-                <a:latin typeface="+mn-lt"/>
-                <a:ea typeface="+mn-ea"/>
-                <a:cs typeface="+mn-cs"/>
-              </a:defRPr>
-            </a:lvl8pPr>
-            <a:lvl9pPr marL="3964155" indent="-233186" algn="l" defTabSz="932742" rtl="0" eaLnBrk="1" latinLnBrk="0" hangingPunct="1">
-              <a:spcBef>
-                <a:spcPct val="20000"/>
-              </a:spcBef>
-              <a:buFont typeface="Arial" pitchFamily="34" charset="0"/>
-              <a:buChar char="•"/>
-              <a:defRPr sz="2000" kern="1200">
-                <a:solidFill>
-                  <a:schemeClr val="tx1"/>
-                </a:solidFill>
-                <a:latin typeface="+mn-lt"/>
-                <a:ea typeface="+mn-ea"/>
-                <a:cs typeface="+mn-cs"/>
-              </a:defRPr>
-            </a:lvl9pPr>
-          </a:lstStyle>
-          <a:p>
-            <a:r>
-              <a:rPr lang="pt-BR" sz="4800" dirty="0"/>
-              <a:t>Demo</a:t>
-            </a:r>
-          </a:p>
-        </p:txBody>
-      </p:sp>
-    </p:spTree>
-    <p:extLst>
-      <p:ext uri="{BB962C8B-B14F-4D97-AF65-F5344CB8AC3E}">
-        <p14:creationId xmlns:p14="http://schemas.microsoft.com/office/powerpoint/2010/main" val="2918752199"/>
-      </p:ext>
-    </p:extLst>
-  </p:cSld>
-  <p:clrMapOvr>
-    <a:masterClrMapping/>
-  </p:clrMapOvr>
-  <mc:AlternateContent xmlns:mc="http://schemas.openxmlformats.org/markup-compatibility/2006" xmlns:p14="http://schemas.microsoft.com/office/powerpoint/2010/main">
-    <mc:Choice Requires="p14">
-      <p:transition spd="med" p14:dur="700">
-        <p:fade/>
-      </p:transition>
-    </mc:Choice>
-    <mc:Fallback xmlns="">
-      <p:transition spd="med">
-        <p:fade/>
-      </p:transition>
-    </mc:Fallback>
-  </mc:AlternateContent>
-</p:sld>
-</file>
-
-<file path=ppt/slides/slide11.xml><?xml version="1.0" encoding="utf-8"?>
-<p:sld xmlns:a="http://schemas.openxmlformats.org/drawingml/2006/main" xmlns:r="http://schemas.openxmlformats.org/officeDocument/2006/relationships" xmlns:p="http://schemas.openxmlformats.org/presentationml/2006/main">
-  <p:cSld>
-    <p:spTree>
-      <p:nvGrpSpPr>
-        <p:cNvPr id="1" name=""/>
-        <p:cNvGrpSpPr/>
-        <p:nvPr/>
-      </p:nvGrpSpPr>
-      <p:grpSpPr>
-        <a:xfrm>
-          <a:off x="0" y="0"/>
-          <a:ext cx="0" cy="0"/>
-          <a:chOff x="0" y="0"/>
-          <a:chExt cx="0" cy="0"/>
-        </a:xfrm>
-      </p:grpSpPr>
-      <p:sp>
-        <p:nvSpPr>
           <p:cNvPr id="2" name="Título 1">
             <a:extLst>
               <a:ext uri="{FF2B5EF4-FFF2-40B4-BE49-F238E27FC236}">
@@ -24013,7 +23746,7 @@
 </p:sld>
 </file>
 
-<file path=ppt/slides/slide12.xml><?xml version="1.0" encoding="utf-8"?>
+<file path=ppt/slides/slide11.xml><?xml version="1.0" encoding="utf-8"?>
 <p:sld xmlns:a="http://schemas.openxmlformats.org/drawingml/2006/main" xmlns:r="http://schemas.openxmlformats.org/officeDocument/2006/relationships" xmlns:p="http://schemas.openxmlformats.org/presentationml/2006/main">
   <p:cSld>
     <p:spTree>
@@ -24148,7 +23881,7 @@
 </p:sld>
 </file>
 
-<file path=ppt/slides/slide13.xml><?xml version="1.0" encoding="utf-8"?>
+<file path=ppt/slides/slide12.xml><?xml version="1.0" encoding="utf-8"?>
 <p:sld xmlns:a="http://schemas.openxmlformats.org/drawingml/2006/main" xmlns:r="http://schemas.openxmlformats.org/officeDocument/2006/relationships" xmlns:p="http://schemas.openxmlformats.org/presentationml/2006/main">
   <p:cSld>
     <p:spTree>
@@ -24283,7 +24016,7 @@
 </p:sld>
 </file>
 
-<file path=ppt/slides/slide14.xml><?xml version="1.0" encoding="utf-8"?>
+<file path=ppt/slides/slide13.xml><?xml version="1.0" encoding="utf-8"?>
 <p:sld xmlns:a="http://schemas.openxmlformats.org/drawingml/2006/main" xmlns:r="http://schemas.openxmlformats.org/officeDocument/2006/relationships" xmlns:p="http://schemas.openxmlformats.org/presentationml/2006/main">
   <p:cSld>
     <p:spTree>
@@ -24417,7 +24150,7 @@
 </p:sld>
 </file>
 
-<file path=ppt/slides/slide15.xml><?xml version="1.0" encoding="utf-8"?>
+<file path=ppt/slides/slide14.xml><?xml version="1.0" encoding="utf-8"?>
 <p:sld xmlns:a="http://schemas.openxmlformats.org/drawingml/2006/main" xmlns:r="http://schemas.openxmlformats.org/officeDocument/2006/relationships" xmlns:p="http://schemas.openxmlformats.org/presentationml/2006/main">
   <p:cSld>
     <p:spTree>
@@ -24552,7 +24285,7 @@
 </p:sld>
 </file>
 
-<file path=ppt/slides/slide16.xml><?xml version="1.0" encoding="utf-8"?>
+<file path=ppt/slides/slide15.xml><?xml version="1.0" encoding="utf-8"?>
 <p:sld xmlns:a="http://schemas.openxmlformats.org/drawingml/2006/main" xmlns:r="http://schemas.openxmlformats.org/officeDocument/2006/relationships" xmlns:p="http://schemas.openxmlformats.org/presentationml/2006/main">
   <p:cSld>
     <p:spTree>
@@ -24686,7 +24419,7 @@
 </p:sld>
 </file>
 
-<file path=ppt/slides/slide17.xml><?xml version="1.0" encoding="utf-8"?>
+<file path=ppt/slides/slide16.xml><?xml version="1.0" encoding="utf-8"?>
 <p:sld xmlns:a="http://schemas.openxmlformats.org/drawingml/2006/main" xmlns:r="http://schemas.openxmlformats.org/officeDocument/2006/relationships" xmlns:p="http://schemas.openxmlformats.org/presentationml/2006/main">
   <p:cSld>
     <p:spTree>
@@ -26334,678 +26067,6 @@
         </p:nvSpPr>
         <p:spPr>
           <a:xfrm>
-            <a:off x="372638" y="876549"/>
-            <a:ext cx="10739336" cy="3046988"/>
-          </a:xfrm>
-          <a:prstGeom prst="rect">
-            <a:avLst/>
-          </a:prstGeom>
-          <a:noFill/>
-        </p:spPr>
-        <p:txBody>
-          <a:bodyPr wrap="square">
-            <a:spAutoFit/>
-          </a:bodyPr>
-          <a:lstStyle/>
-          <a:p>
-            <a:r>
-              <a:rPr lang="pt-BR" sz="4800" spc="-50" dirty="0">
-                <a:solidFill>
-                  <a:schemeClr val="bg2"/>
-                </a:solidFill>
-                <a:latin typeface="+mj-lt"/>
-              </a:rPr>
-              <a:t>Token</a:t>
-            </a:r>
-          </a:p>
-          <a:p>
-            <a:endParaRPr lang="pt-BR" sz="2400" dirty="0">
-              <a:solidFill>
-                <a:schemeClr val="bg1"/>
-              </a:solidFill>
-            </a:endParaRPr>
-          </a:p>
-          <a:p>
-            <a:endParaRPr lang="pt-BR" sz="2400" dirty="0">
-              <a:solidFill>
-                <a:schemeClr val="bg1"/>
-              </a:solidFill>
-            </a:endParaRPr>
-          </a:p>
-          <a:p>
-            <a:endParaRPr lang="pt-BR" sz="2400" dirty="0">
-              <a:solidFill>
-                <a:schemeClr val="bg1"/>
-              </a:solidFill>
-            </a:endParaRPr>
-          </a:p>
-          <a:p>
-            <a:endParaRPr lang="pt-BR" sz="2400" dirty="0">
-              <a:solidFill>
-                <a:schemeClr val="bg1"/>
-              </a:solidFill>
-            </a:endParaRPr>
-          </a:p>
-          <a:p>
-            <a:endParaRPr lang="pt-BR" sz="2400" dirty="0">
-              <a:solidFill>
-                <a:schemeClr val="bg1"/>
-              </a:solidFill>
-            </a:endParaRPr>
-          </a:p>
-          <a:p>
-            <a:endParaRPr lang="pt-BR" sz="2400" dirty="0">
-              <a:solidFill>
-                <a:schemeClr val="bg1"/>
-              </a:solidFill>
-            </a:endParaRPr>
-          </a:p>
-        </p:txBody>
-      </p:sp>
-      <p:sp>
-        <p:nvSpPr>
-          <p:cNvPr id="2" name="Rectangle 1">
-            <a:extLst>
-              <a:ext uri="{FF2B5EF4-FFF2-40B4-BE49-F238E27FC236}">
-                <a16:creationId xmlns:a16="http://schemas.microsoft.com/office/drawing/2014/main" id="{957F678A-9EBD-608F-8309-E2A1ED260534}"/>
-              </a:ext>
-            </a:extLst>
-          </p:cNvPr>
-          <p:cNvSpPr>
-            <a:spLocks noChangeArrowheads="1"/>
-          </p:cNvSpPr>
-          <p:nvPr/>
-        </p:nvSpPr>
-        <p:spPr bwMode="auto">
-          <a:xfrm>
-            <a:off x="372638" y="1695779"/>
-            <a:ext cx="10963258" cy="4455515"/>
-          </a:xfrm>
-          <a:prstGeom prst="rect">
-            <a:avLst/>
-          </a:prstGeom>
-          <a:noFill/>
-          <a:ln>
-            <a:noFill/>
-          </a:ln>
-          <a:effectLst/>
-          <a:extLst>
-            <a:ext uri="{909E8E84-426E-40DD-AFC4-6F175D3DCCD1}">
-              <a14:hiddenFill xmlns:a14="http://schemas.microsoft.com/office/drawing/2010/main">
-                <a:solidFill>
-                  <a:schemeClr val="accent1"/>
-                </a:solidFill>
-              </a14:hiddenFill>
-            </a:ext>
-            <a:ext uri="{91240B29-F687-4F45-9708-019B960494DF}">
-              <a14:hiddenLine xmlns:a14="http://schemas.microsoft.com/office/drawing/2010/main" w="9525">
-                <a:solidFill>
-                  <a:schemeClr val="tx1"/>
-                </a:solidFill>
-                <a:miter lim="800000"/>
-                <a:headEnd/>
-                <a:tailEnd/>
-              </a14:hiddenLine>
-            </a:ext>
-            <a:ext uri="{AF507438-7753-43E0-B8FC-AC1667EBCBE1}">
-              <a14:hiddenEffects xmlns:a14="http://schemas.microsoft.com/office/drawing/2010/main">
-                <a:effectLst>
-                  <a:outerShdw dist="35921" dir="2700000" algn="ctr" rotWithShape="0">
-                    <a:schemeClr val="bg2"/>
-                  </a:outerShdw>
-                </a:effectLst>
-              </a14:hiddenEffects>
-            </a:ext>
-          </a:extLst>
-        </p:spPr>
-        <p:txBody>
-          <a:bodyPr vert="horz" wrap="none" lIns="91440" tIns="45720" rIns="91440" bIns="45720" numCol="1" anchor="ctr" anchorCtr="0" compatLnSpc="1">
-            <a:prstTxWarp prst="textNoShape">
-              <a:avLst/>
-            </a:prstTxWarp>
-            <a:spAutoFit/>
-          </a:bodyPr>
-          <a:lstStyle>
-            <a:lvl1pPr eaLnBrk="0" fontAlgn="base" hangingPunct="0">
-              <a:spcBef>
-                <a:spcPct val="0"/>
-              </a:spcBef>
-              <a:spcAft>
-                <a:spcPct val="0"/>
-              </a:spcAft>
-              <a:defRPr>
-                <a:solidFill>
-                  <a:schemeClr val="tx1"/>
-                </a:solidFill>
-                <a:latin typeface="Arial" panose="020B0604020202020204" pitchFamily="34" charset="0"/>
-              </a:defRPr>
-            </a:lvl1pPr>
-            <a:lvl2pPr marL="457200" eaLnBrk="0" fontAlgn="base" hangingPunct="0">
-              <a:spcBef>
-                <a:spcPct val="0"/>
-              </a:spcBef>
-              <a:spcAft>
-                <a:spcPct val="0"/>
-              </a:spcAft>
-              <a:defRPr>
-                <a:solidFill>
-                  <a:schemeClr val="tx1"/>
-                </a:solidFill>
-                <a:latin typeface="Arial" panose="020B0604020202020204" pitchFamily="34" charset="0"/>
-              </a:defRPr>
-            </a:lvl2pPr>
-            <a:lvl3pPr marL="914400" eaLnBrk="0" fontAlgn="base" hangingPunct="0">
-              <a:spcBef>
-                <a:spcPct val="0"/>
-              </a:spcBef>
-              <a:spcAft>
-                <a:spcPct val="0"/>
-              </a:spcAft>
-              <a:defRPr>
-                <a:solidFill>
-                  <a:schemeClr val="tx1"/>
-                </a:solidFill>
-                <a:latin typeface="Arial" panose="020B0604020202020204" pitchFamily="34" charset="0"/>
-              </a:defRPr>
-            </a:lvl3pPr>
-            <a:lvl4pPr marL="1371600" eaLnBrk="0" fontAlgn="base" hangingPunct="0">
-              <a:spcBef>
-                <a:spcPct val="0"/>
-              </a:spcBef>
-              <a:spcAft>
-                <a:spcPct val="0"/>
-              </a:spcAft>
-              <a:defRPr>
-                <a:solidFill>
-                  <a:schemeClr val="tx1"/>
-                </a:solidFill>
-                <a:latin typeface="Arial" panose="020B0604020202020204" pitchFamily="34" charset="0"/>
-              </a:defRPr>
-            </a:lvl4pPr>
-            <a:lvl5pPr marL="1828800" eaLnBrk="0" fontAlgn="base" hangingPunct="0">
-              <a:spcBef>
-                <a:spcPct val="0"/>
-              </a:spcBef>
-              <a:spcAft>
-                <a:spcPct val="0"/>
-              </a:spcAft>
-              <a:defRPr>
-                <a:solidFill>
-                  <a:schemeClr val="tx1"/>
-                </a:solidFill>
-                <a:latin typeface="Arial" panose="020B0604020202020204" pitchFamily="34" charset="0"/>
-              </a:defRPr>
-            </a:lvl5pPr>
-            <a:lvl6pPr marL="2286000" eaLnBrk="0" fontAlgn="base" hangingPunct="0">
-              <a:spcBef>
-                <a:spcPct val="0"/>
-              </a:spcBef>
-              <a:spcAft>
-                <a:spcPct val="0"/>
-              </a:spcAft>
-              <a:defRPr>
-                <a:solidFill>
-                  <a:schemeClr val="tx1"/>
-                </a:solidFill>
-                <a:latin typeface="Arial" panose="020B0604020202020204" pitchFamily="34" charset="0"/>
-              </a:defRPr>
-            </a:lvl6pPr>
-            <a:lvl7pPr marL="2743200" eaLnBrk="0" fontAlgn="base" hangingPunct="0">
-              <a:spcBef>
-                <a:spcPct val="0"/>
-              </a:spcBef>
-              <a:spcAft>
-                <a:spcPct val="0"/>
-              </a:spcAft>
-              <a:defRPr>
-                <a:solidFill>
-                  <a:schemeClr val="tx1"/>
-                </a:solidFill>
-                <a:latin typeface="Arial" panose="020B0604020202020204" pitchFamily="34" charset="0"/>
-              </a:defRPr>
-            </a:lvl7pPr>
-            <a:lvl8pPr marL="3200400" eaLnBrk="0" fontAlgn="base" hangingPunct="0">
-              <a:spcBef>
-                <a:spcPct val="0"/>
-              </a:spcBef>
-              <a:spcAft>
-                <a:spcPct val="0"/>
-              </a:spcAft>
-              <a:defRPr>
-                <a:solidFill>
-                  <a:schemeClr val="tx1"/>
-                </a:solidFill>
-                <a:latin typeface="Arial" panose="020B0604020202020204" pitchFamily="34" charset="0"/>
-              </a:defRPr>
-            </a:lvl8pPr>
-            <a:lvl9pPr marL="3657600" eaLnBrk="0" fontAlgn="base" hangingPunct="0">
-              <a:spcBef>
-                <a:spcPct val="0"/>
-              </a:spcBef>
-              <a:spcAft>
-                <a:spcPct val="0"/>
-              </a:spcAft>
-              <a:defRPr>
-                <a:solidFill>
-                  <a:schemeClr val="tx1"/>
-                </a:solidFill>
-                <a:latin typeface="Arial" panose="020B0604020202020204" pitchFamily="34" charset="0"/>
-              </a:defRPr>
-            </a:lvl9pPr>
-          </a:lstStyle>
-          <a:p>
-            <a:pPr marL="0" marR="0" lvl="0" indent="0" algn="l" defTabSz="914400" rtl="0" eaLnBrk="0" fontAlgn="base" latinLnBrk="0" hangingPunct="0">
-              <a:lnSpc>
-                <a:spcPct val="150000"/>
-              </a:lnSpc>
-              <a:spcBef>
-                <a:spcPct val="0"/>
-              </a:spcBef>
-              <a:spcAft>
-                <a:spcPct val="0"/>
-              </a:spcAft>
-              <a:buClrTx/>
-              <a:buSzTx/>
-              <a:buFontTx/>
-              <a:buNone/>
-              <a:tabLst/>
-            </a:pPr>
-            <a:r>
-              <a:rPr kumimoji="0" lang="pt-BR" altLang="pt-BR" sz="1200" b="0" i="0" u="none" strike="noStrike" cap="none" normalizeH="0" baseline="0" dirty="0">
-                <a:ln>
-                  <a:noFill/>
-                </a:ln>
-                <a:solidFill>
-                  <a:srgbClr val="161616"/>
-                </a:solidFill>
-                <a:effectLst/>
-                <a:latin typeface="Segoe UI" panose="020B0502040204020203" pitchFamily="34" charset="0"/>
-                <a:cs typeface="Segoe UI" panose="020B0502040204020203" pitchFamily="34" charset="0"/>
-              </a:rPr>
-              <a:t> </a:t>
-            </a:r>
-            <a:r>
-              <a:rPr lang="pt-BR" altLang="pt-BR" sz="2400" dirty="0">
-                <a:solidFill>
-                  <a:schemeClr val="bg1"/>
-                </a:solidFill>
-                <a:latin typeface="+mn-lt"/>
-              </a:rPr>
-              <a:t>Por exemplo, a palavra "hambúrguer" é dividida nos tokens </a:t>
-            </a:r>
-            <a:r>
-              <a:rPr lang="pt-BR" altLang="pt-BR" sz="2400" dirty="0" err="1">
-                <a:solidFill>
-                  <a:schemeClr val="bg1"/>
-                </a:solidFill>
-                <a:latin typeface="+mn-lt"/>
-              </a:rPr>
-              <a:t>ham</a:t>
-            </a:r>
-            <a:r>
-              <a:rPr lang="pt-BR" altLang="pt-BR" sz="2400" dirty="0">
-                <a:solidFill>
-                  <a:schemeClr val="bg1"/>
-                </a:solidFill>
-                <a:latin typeface="+mn-lt"/>
-              </a:rPr>
-              <a:t>, </a:t>
-            </a:r>
-            <a:r>
-              <a:rPr lang="pt-BR" altLang="pt-BR" sz="2400" dirty="0" err="1">
-                <a:solidFill>
-                  <a:schemeClr val="bg1"/>
-                </a:solidFill>
-                <a:latin typeface="+mn-lt"/>
-              </a:rPr>
-              <a:t>búr</a:t>
-            </a:r>
-            <a:r>
-              <a:rPr lang="pt-BR" altLang="pt-BR" sz="2400" dirty="0">
-                <a:solidFill>
-                  <a:schemeClr val="bg1"/>
-                </a:solidFill>
-                <a:latin typeface="+mn-lt"/>
-              </a:rPr>
-              <a:t> e </a:t>
-            </a:r>
-            <a:r>
-              <a:rPr lang="pt-BR" altLang="pt-BR" sz="2400" dirty="0" err="1">
-                <a:solidFill>
-                  <a:schemeClr val="bg1"/>
-                </a:solidFill>
-                <a:latin typeface="+mn-lt"/>
-              </a:rPr>
-              <a:t>guer</a:t>
-            </a:r>
-            <a:r>
-              <a:rPr lang="pt-BR" altLang="pt-BR" sz="2400" dirty="0">
-                <a:solidFill>
-                  <a:schemeClr val="bg1"/>
-                </a:solidFill>
-                <a:latin typeface="+mn-lt"/>
-              </a:rPr>
-              <a:t>, </a:t>
-            </a:r>
-          </a:p>
-          <a:p>
-            <a:pPr marL="0" marR="0" lvl="0" indent="0" algn="l" defTabSz="914400" rtl="0" eaLnBrk="0" fontAlgn="base" latinLnBrk="0" hangingPunct="0">
-              <a:lnSpc>
-                <a:spcPct val="150000"/>
-              </a:lnSpc>
-              <a:spcBef>
-                <a:spcPct val="0"/>
-              </a:spcBef>
-              <a:spcAft>
-                <a:spcPct val="0"/>
-              </a:spcAft>
-              <a:buClrTx/>
-              <a:buSzTx/>
-              <a:buFontTx/>
-              <a:buNone/>
-              <a:tabLst/>
-            </a:pPr>
-            <a:r>
-              <a:rPr lang="pt-BR" altLang="pt-BR" sz="2400" dirty="0">
-                <a:solidFill>
-                  <a:schemeClr val="bg1"/>
-                </a:solidFill>
-                <a:latin typeface="+mn-lt"/>
-              </a:rPr>
-              <a:t>enquanto uma palavras curtas e comuns como “Pera, </a:t>
-            </a:r>
-            <a:r>
-              <a:rPr lang="pt-BR" sz="2400" dirty="0">
-                <a:solidFill>
-                  <a:schemeClr val="bg1"/>
-                </a:solidFill>
-              </a:rPr>
-              <a:t>Pará</a:t>
-            </a:r>
-            <a:r>
-              <a:rPr lang="pt-BR" altLang="pt-BR" sz="2400" dirty="0">
-                <a:solidFill>
-                  <a:schemeClr val="bg1"/>
-                </a:solidFill>
-                <a:latin typeface="+mn-lt"/>
-              </a:rPr>
-              <a:t>" é um único token</a:t>
-            </a:r>
-          </a:p>
-          <a:p>
-            <a:pPr marL="0" marR="0" lvl="0" indent="0" algn="l" defTabSz="914400" rtl="0" eaLnBrk="0" fontAlgn="base" latinLnBrk="0" hangingPunct="0">
-              <a:lnSpc>
-                <a:spcPct val="150000"/>
-              </a:lnSpc>
-              <a:spcBef>
-                <a:spcPct val="0"/>
-              </a:spcBef>
-              <a:spcAft>
-                <a:spcPct val="0"/>
-              </a:spcAft>
-              <a:buClrTx/>
-              <a:buSzTx/>
-              <a:buFontTx/>
-              <a:buNone/>
-              <a:tabLst/>
-            </a:pPr>
-            <a:endParaRPr lang="pt-BR" altLang="pt-BR" sz="2400" dirty="0">
-              <a:solidFill>
-                <a:schemeClr val="bg1"/>
-              </a:solidFill>
-              <a:latin typeface="+mn-lt"/>
-            </a:endParaRPr>
-          </a:p>
-          <a:p>
-            <a:pPr marL="0" marR="0" lvl="0" indent="0" algn="l" defTabSz="914400" rtl="0" eaLnBrk="0" fontAlgn="base" latinLnBrk="0" hangingPunct="0">
-              <a:lnSpc>
-                <a:spcPct val="150000"/>
-              </a:lnSpc>
-              <a:spcBef>
-                <a:spcPct val="0"/>
-              </a:spcBef>
-              <a:spcAft>
-                <a:spcPct val="0"/>
-              </a:spcAft>
-              <a:buClrTx/>
-              <a:buSzTx/>
-              <a:buFontTx/>
-              <a:buNone/>
-              <a:tabLst/>
-            </a:pPr>
-            <a:endParaRPr lang="pt-BR" altLang="pt-BR" sz="2400" dirty="0">
-              <a:solidFill>
-                <a:schemeClr val="bg1"/>
-              </a:solidFill>
-              <a:latin typeface="+mn-lt"/>
-            </a:endParaRPr>
-          </a:p>
-          <a:p>
-            <a:pPr marL="0" marR="0" lvl="0" indent="0" algn="l" defTabSz="914400" rtl="0" eaLnBrk="0" fontAlgn="base" latinLnBrk="0" hangingPunct="0">
-              <a:lnSpc>
-                <a:spcPct val="150000"/>
-              </a:lnSpc>
-              <a:spcBef>
-                <a:spcPct val="0"/>
-              </a:spcBef>
-              <a:spcAft>
-                <a:spcPct val="0"/>
-              </a:spcAft>
-              <a:buClrTx/>
-              <a:buSzTx/>
-              <a:buFontTx/>
-              <a:buNone/>
-              <a:tabLst/>
-            </a:pPr>
-            <a:endParaRPr lang="pt-BR" altLang="pt-BR" sz="2400" dirty="0">
-              <a:solidFill>
-                <a:schemeClr val="bg1"/>
-              </a:solidFill>
-              <a:latin typeface="+mn-lt"/>
-            </a:endParaRPr>
-          </a:p>
-          <a:p>
-            <a:pPr marL="0" marR="0" lvl="0" indent="0" algn="l" defTabSz="914400" rtl="0" eaLnBrk="0" fontAlgn="base" latinLnBrk="0" hangingPunct="0">
-              <a:lnSpc>
-                <a:spcPct val="150000"/>
-              </a:lnSpc>
-              <a:spcBef>
-                <a:spcPct val="0"/>
-              </a:spcBef>
-              <a:spcAft>
-                <a:spcPct val="0"/>
-              </a:spcAft>
-              <a:buClrTx/>
-              <a:buSzTx/>
-              <a:buFontTx/>
-              <a:buNone/>
-              <a:tabLst/>
-            </a:pPr>
-            <a:endParaRPr lang="pt-BR" altLang="pt-BR" sz="2400" dirty="0">
-              <a:solidFill>
-                <a:schemeClr val="bg1"/>
-              </a:solidFill>
-              <a:latin typeface="+mn-lt"/>
-            </a:endParaRPr>
-          </a:p>
-          <a:p>
-            <a:pPr marL="0" marR="0" lvl="0" indent="0" algn="l" defTabSz="914400" rtl="0" eaLnBrk="0" fontAlgn="base" latinLnBrk="0" hangingPunct="0">
-              <a:lnSpc>
-                <a:spcPct val="150000"/>
-              </a:lnSpc>
-              <a:spcBef>
-                <a:spcPct val="0"/>
-              </a:spcBef>
-              <a:spcAft>
-                <a:spcPct val="0"/>
-              </a:spcAft>
-              <a:buClrTx/>
-              <a:buSzTx/>
-              <a:buFontTx/>
-              <a:buNone/>
-              <a:tabLst/>
-            </a:pPr>
-            <a:r>
-              <a:rPr lang="pt-BR" altLang="pt-BR" sz="2400" dirty="0">
-                <a:solidFill>
-                  <a:schemeClr val="bg1"/>
-                </a:solidFill>
-                <a:latin typeface="+mn-lt"/>
-              </a:rPr>
-              <a:t>Fonte: https://learn.microsoft.com/pt-br/training/</a:t>
-            </a:r>
-          </a:p>
-          <a:p>
-            <a:pPr marL="0" marR="0" lvl="0" indent="0" algn="l" defTabSz="914400" rtl="0" eaLnBrk="0" fontAlgn="base" latinLnBrk="0" hangingPunct="0">
-              <a:lnSpc>
-                <a:spcPct val="150000"/>
-              </a:lnSpc>
-              <a:spcBef>
-                <a:spcPct val="0"/>
-              </a:spcBef>
-              <a:spcAft>
-                <a:spcPct val="0"/>
-              </a:spcAft>
-              <a:buClrTx/>
-              <a:buSzTx/>
-              <a:buFontTx/>
-              <a:buNone/>
-              <a:tabLst/>
-            </a:pPr>
-            <a:r>
-              <a:rPr lang="pt-BR" altLang="pt-BR" sz="2400" dirty="0">
-                <a:solidFill>
-                  <a:schemeClr val="bg1"/>
-                </a:solidFill>
-                <a:latin typeface="+mn-lt"/>
-              </a:rPr>
-              <a:t>modules/explore-</a:t>
-            </a:r>
-            <a:r>
-              <a:rPr lang="pt-BR" altLang="pt-BR" sz="2400" dirty="0" err="1">
-                <a:solidFill>
-                  <a:schemeClr val="bg1"/>
-                </a:solidFill>
-                <a:latin typeface="+mn-lt"/>
-              </a:rPr>
-              <a:t>azure</a:t>
-            </a:r>
-            <a:r>
-              <a:rPr lang="pt-BR" altLang="pt-BR" sz="2400" dirty="0">
-                <a:solidFill>
-                  <a:schemeClr val="bg1"/>
-                </a:solidFill>
-                <a:latin typeface="+mn-lt"/>
-              </a:rPr>
-              <a:t>-</a:t>
-            </a:r>
-            <a:r>
-              <a:rPr lang="pt-BR" altLang="pt-BR" sz="2400" dirty="0" err="1">
-                <a:solidFill>
-                  <a:schemeClr val="bg1"/>
-                </a:solidFill>
-                <a:latin typeface="+mn-lt"/>
-              </a:rPr>
-              <a:t>openai</a:t>
-            </a:r>
-            <a:r>
-              <a:rPr lang="pt-BR" altLang="pt-BR" sz="2400" dirty="0">
-                <a:solidFill>
-                  <a:schemeClr val="bg1"/>
-                </a:solidFill>
-                <a:latin typeface="+mn-lt"/>
-              </a:rPr>
-              <a:t>/5-understand-openai-natural-language</a:t>
-            </a:r>
-          </a:p>
-        </p:txBody>
-      </p:sp>
-      <p:pic>
-        <p:nvPicPr>
-          <p:cNvPr id="4" name="Imagem 3">
-            <a:extLst>
-              <a:ext uri="{FF2B5EF4-FFF2-40B4-BE49-F238E27FC236}">
-                <a16:creationId xmlns:a16="http://schemas.microsoft.com/office/drawing/2014/main" id="{43B20A62-C8A7-8891-9DE2-3A0F29931F43}"/>
-              </a:ext>
-            </a:extLst>
-          </p:cNvPr>
-          <p:cNvPicPr>
-            <a:picLocks noChangeAspect="1"/>
-          </p:cNvPicPr>
-          <p:nvPr/>
-        </p:nvPicPr>
-        <p:blipFill>
-          <a:blip r:embed="rId3"/>
-          <a:stretch>
-            <a:fillRect/>
-          </a:stretch>
-        </p:blipFill>
-        <p:spPr>
-          <a:xfrm>
-            <a:off x="372638" y="3233865"/>
-            <a:ext cx="10739336" cy="1743337"/>
-          </a:xfrm>
-          <a:prstGeom prst="rect">
-            <a:avLst/>
-          </a:prstGeom>
-        </p:spPr>
-      </p:pic>
-    </p:spTree>
-    <p:extLst>
-      <p:ext uri="{BB962C8B-B14F-4D97-AF65-F5344CB8AC3E}">
-        <p14:creationId xmlns:p14="http://schemas.microsoft.com/office/powerpoint/2010/main" val="931075014"/>
-      </p:ext>
-    </p:extLst>
-  </p:cSld>
-  <p:clrMapOvr>
-    <a:masterClrMapping/>
-  </p:clrMapOvr>
-  <mc:AlternateContent xmlns:mc="http://schemas.openxmlformats.org/markup-compatibility/2006" xmlns:p14="http://schemas.microsoft.com/office/powerpoint/2010/main">
-    <mc:Choice Requires="p14">
-      <p:transition spd="med" p14:dur="700">
-        <p:fade/>
-      </p:transition>
-    </mc:Choice>
-    <mc:Fallback xmlns="">
-      <p:transition spd="med">
-        <p:fade/>
-      </p:transition>
-    </mc:Fallback>
-  </mc:AlternateContent>
-</p:sld>
-</file>
-
-<file path=ppt/slides/slide7.xml><?xml version="1.0" encoding="utf-8"?>
-<p:sld xmlns:a="http://schemas.openxmlformats.org/drawingml/2006/main" xmlns:r="http://schemas.openxmlformats.org/officeDocument/2006/relationships" xmlns:p="http://schemas.openxmlformats.org/presentationml/2006/main">
-  <p:cSld>
-    <p:spTree>
-      <p:nvGrpSpPr>
-        <p:cNvPr id="1" name=""/>
-        <p:cNvGrpSpPr/>
-        <p:nvPr/>
-      </p:nvGrpSpPr>
-      <p:grpSpPr>
-        <a:xfrm>
-          <a:off x="0" y="0"/>
-          <a:ext cx="0" cy="0"/>
-          <a:chOff x="0" y="0"/>
-          <a:chExt cx="0" cy="0"/>
-        </a:xfrm>
-      </p:grpSpPr>
-      <p:sp>
-        <p:nvSpPr>
-          <p:cNvPr id="5" name="CaixaDeTexto 4">
-            <a:extLst>
-              <a:ext uri="{FF2B5EF4-FFF2-40B4-BE49-F238E27FC236}">
-                <a16:creationId xmlns:a16="http://schemas.microsoft.com/office/drawing/2014/main" id="{8ACDB991-EC5C-F38D-2382-DB6C1328DBFA}"/>
-              </a:ext>
-            </a:extLst>
-          </p:cNvPr>
-          <p:cNvSpPr txBox="1"/>
-          <p:nvPr/>
-        </p:nvSpPr>
-        <p:spPr>
-          <a:xfrm>
             <a:off x="1718823" y="5012671"/>
             <a:ext cx="10649356" cy="369332"/>
           </a:xfrm>
@@ -27315,7 +26376,7 @@
 </p:sld>
 </file>
 
-<file path=ppt/slides/slide8.xml><?xml version="1.0" encoding="utf-8"?>
+<file path=ppt/slides/slide7.xml><?xml version="1.0" encoding="utf-8"?>
 <p:sld xmlns:a="http://schemas.openxmlformats.org/drawingml/2006/main" xmlns:r="http://schemas.openxmlformats.org/officeDocument/2006/relationships" xmlns:p="http://schemas.openxmlformats.org/presentationml/2006/main">
   <p:cSld>
     <p:spTree>
@@ -27346,8 +26407,8 @@
         </p:nvSpPr>
         <p:spPr>
           <a:xfrm>
-            <a:off x="456996" y="5267709"/>
-            <a:ext cx="10649356" cy="369332"/>
+            <a:off x="372638" y="876549"/>
+            <a:ext cx="10739336" cy="3046988"/>
           </a:xfrm>
           <a:prstGeom prst="rect">
             <a:avLst/>
@@ -27361,33 +26422,649 @@
           <a:lstStyle/>
           <a:p>
             <a:r>
-              <a:rPr lang="pt-BR" dirty="0">
-                <a:solidFill>
-                  <a:schemeClr val="bg1"/>
-                </a:solidFill>
-              </a:rPr>
-              <a:t>https://learn.microsoft.com/pt-br/azure/</a:t>
-            </a:r>
-            <a:r>
-              <a:rPr lang="pt-BR" spc="-50" dirty="0">
-                <a:solidFill>
-                  <a:schemeClr val="bg1"/>
+              <a:rPr lang="pt-BR" sz="4800" spc="-50" dirty="0">
+                <a:solidFill>
+                  <a:schemeClr val="bg2"/>
                 </a:solidFill>
                 <a:latin typeface="+mj-lt"/>
               </a:rPr>
-              <a:t>ai-services</a:t>
-            </a:r>
-            <a:r>
-              <a:rPr lang="pt-BR" dirty="0">
-                <a:solidFill>
-                  <a:schemeClr val="bg1"/>
-                </a:solidFill>
-              </a:rPr>
-              <a:t>/openai/concepts/models</a:t>
-            </a:r>
+              <a:t>Token</a:t>
+            </a:r>
+          </a:p>
+          <a:p>
+            <a:endParaRPr lang="pt-BR" sz="2400" dirty="0">
+              <a:solidFill>
+                <a:schemeClr val="bg1"/>
+              </a:solidFill>
+            </a:endParaRPr>
+          </a:p>
+          <a:p>
+            <a:endParaRPr lang="pt-BR" sz="2400" dirty="0">
+              <a:solidFill>
+                <a:schemeClr val="bg1"/>
+              </a:solidFill>
+            </a:endParaRPr>
+          </a:p>
+          <a:p>
+            <a:endParaRPr lang="pt-BR" sz="2400" dirty="0">
+              <a:solidFill>
+                <a:schemeClr val="bg1"/>
+              </a:solidFill>
+            </a:endParaRPr>
+          </a:p>
+          <a:p>
+            <a:endParaRPr lang="pt-BR" sz="2400" dirty="0">
+              <a:solidFill>
+                <a:schemeClr val="bg1"/>
+              </a:solidFill>
+            </a:endParaRPr>
+          </a:p>
+          <a:p>
+            <a:endParaRPr lang="pt-BR" sz="2400" dirty="0">
+              <a:solidFill>
+                <a:schemeClr val="bg1"/>
+              </a:solidFill>
+            </a:endParaRPr>
+          </a:p>
+          <a:p>
+            <a:endParaRPr lang="pt-BR" sz="2400" dirty="0">
+              <a:solidFill>
+                <a:schemeClr val="bg1"/>
+              </a:solidFill>
+            </a:endParaRPr>
           </a:p>
         </p:txBody>
       </p:sp>
+      <p:sp>
+        <p:nvSpPr>
+          <p:cNvPr id="2" name="Rectangle 1">
+            <a:extLst>
+              <a:ext uri="{FF2B5EF4-FFF2-40B4-BE49-F238E27FC236}">
+                <a16:creationId xmlns:a16="http://schemas.microsoft.com/office/drawing/2014/main" id="{957F678A-9EBD-608F-8309-E2A1ED260534}"/>
+              </a:ext>
+            </a:extLst>
+          </p:cNvPr>
+          <p:cNvSpPr>
+            <a:spLocks noChangeArrowheads="1"/>
+          </p:cNvSpPr>
+          <p:nvPr/>
+        </p:nvSpPr>
+        <p:spPr bwMode="auto">
+          <a:xfrm>
+            <a:off x="372638" y="1695779"/>
+            <a:ext cx="10963258" cy="4455515"/>
+          </a:xfrm>
+          <a:prstGeom prst="rect">
+            <a:avLst/>
+          </a:prstGeom>
+          <a:noFill/>
+          <a:ln>
+            <a:noFill/>
+          </a:ln>
+          <a:effectLst/>
+          <a:extLst>
+            <a:ext uri="{909E8E84-426E-40DD-AFC4-6F175D3DCCD1}">
+              <a14:hiddenFill xmlns:a14="http://schemas.microsoft.com/office/drawing/2010/main">
+                <a:solidFill>
+                  <a:schemeClr val="accent1"/>
+                </a:solidFill>
+              </a14:hiddenFill>
+            </a:ext>
+            <a:ext uri="{91240B29-F687-4F45-9708-019B960494DF}">
+              <a14:hiddenLine xmlns:a14="http://schemas.microsoft.com/office/drawing/2010/main" w="9525">
+                <a:solidFill>
+                  <a:schemeClr val="tx1"/>
+                </a:solidFill>
+                <a:miter lim="800000"/>
+                <a:headEnd/>
+                <a:tailEnd/>
+              </a14:hiddenLine>
+            </a:ext>
+            <a:ext uri="{AF507438-7753-43E0-B8FC-AC1667EBCBE1}">
+              <a14:hiddenEffects xmlns:a14="http://schemas.microsoft.com/office/drawing/2010/main">
+                <a:effectLst>
+                  <a:outerShdw dist="35921" dir="2700000" algn="ctr" rotWithShape="0">
+                    <a:schemeClr val="bg2"/>
+                  </a:outerShdw>
+                </a:effectLst>
+              </a14:hiddenEffects>
+            </a:ext>
+          </a:extLst>
+        </p:spPr>
+        <p:txBody>
+          <a:bodyPr vert="horz" wrap="none" lIns="91440" tIns="45720" rIns="91440" bIns="45720" numCol="1" anchor="ctr" anchorCtr="0" compatLnSpc="1">
+            <a:prstTxWarp prst="textNoShape">
+              <a:avLst/>
+            </a:prstTxWarp>
+            <a:spAutoFit/>
+          </a:bodyPr>
+          <a:lstStyle>
+            <a:lvl1pPr eaLnBrk="0" fontAlgn="base" hangingPunct="0">
+              <a:spcBef>
+                <a:spcPct val="0"/>
+              </a:spcBef>
+              <a:spcAft>
+                <a:spcPct val="0"/>
+              </a:spcAft>
+              <a:defRPr>
+                <a:solidFill>
+                  <a:schemeClr val="tx1"/>
+                </a:solidFill>
+                <a:latin typeface="Arial" panose="020B0604020202020204" pitchFamily="34" charset="0"/>
+              </a:defRPr>
+            </a:lvl1pPr>
+            <a:lvl2pPr marL="457200" eaLnBrk="0" fontAlgn="base" hangingPunct="0">
+              <a:spcBef>
+                <a:spcPct val="0"/>
+              </a:spcBef>
+              <a:spcAft>
+                <a:spcPct val="0"/>
+              </a:spcAft>
+              <a:defRPr>
+                <a:solidFill>
+                  <a:schemeClr val="tx1"/>
+                </a:solidFill>
+                <a:latin typeface="Arial" panose="020B0604020202020204" pitchFamily="34" charset="0"/>
+              </a:defRPr>
+            </a:lvl2pPr>
+            <a:lvl3pPr marL="914400" eaLnBrk="0" fontAlgn="base" hangingPunct="0">
+              <a:spcBef>
+                <a:spcPct val="0"/>
+              </a:spcBef>
+              <a:spcAft>
+                <a:spcPct val="0"/>
+              </a:spcAft>
+              <a:defRPr>
+                <a:solidFill>
+                  <a:schemeClr val="tx1"/>
+                </a:solidFill>
+                <a:latin typeface="Arial" panose="020B0604020202020204" pitchFamily="34" charset="0"/>
+              </a:defRPr>
+            </a:lvl3pPr>
+            <a:lvl4pPr marL="1371600" eaLnBrk="0" fontAlgn="base" hangingPunct="0">
+              <a:spcBef>
+                <a:spcPct val="0"/>
+              </a:spcBef>
+              <a:spcAft>
+                <a:spcPct val="0"/>
+              </a:spcAft>
+              <a:defRPr>
+                <a:solidFill>
+                  <a:schemeClr val="tx1"/>
+                </a:solidFill>
+                <a:latin typeface="Arial" panose="020B0604020202020204" pitchFamily="34" charset="0"/>
+              </a:defRPr>
+            </a:lvl4pPr>
+            <a:lvl5pPr marL="1828800" eaLnBrk="0" fontAlgn="base" hangingPunct="0">
+              <a:spcBef>
+                <a:spcPct val="0"/>
+              </a:spcBef>
+              <a:spcAft>
+                <a:spcPct val="0"/>
+              </a:spcAft>
+              <a:defRPr>
+                <a:solidFill>
+                  <a:schemeClr val="tx1"/>
+                </a:solidFill>
+                <a:latin typeface="Arial" panose="020B0604020202020204" pitchFamily="34" charset="0"/>
+              </a:defRPr>
+            </a:lvl5pPr>
+            <a:lvl6pPr marL="2286000" eaLnBrk="0" fontAlgn="base" hangingPunct="0">
+              <a:spcBef>
+                <a:spcPct val="0"/>
+              </a:spcBef>
+              <a:spcAft>
+                <a:spcPct val="0"/>
+              </a:spcAft>
+              <a:defRPr>
+                <a:solidFill>
+                  <a:schemeClr val="tx1"/>
+                </a:solidFill>
+                <a:latin typeface="Arial" panose="020B0604020202020204" pitchFamily="34" charset="0"/>
+              </a:defRPr>
+            </a:lvl6pPr>
+            <a:lvl7pPr marL="2743200" eaLnBrk="0" fontAlgn="base" hangingPunct="0">
+              <a:spcBef>
+                <a:spcPct val="0"/>
+              </a:spcBef>
+              <a:spcAft>
+                <a:spcPct val="0"/>
+              </a:spcAft>
+              <a:defRPr>
+                <a:solidFill>
+                  <a:schemeClr val="tx1"/>
+                </a:solidFill>
+                <a:latin typeface="Arial" panose="020B0604020202020204" pitchFamily="34" charset="0"/>
+              </a:defRPr>
+            </a:lvl7pPr>
+            <a:lvl8pPr marL="3200400" eaLnBrk="0" fontAlgn="base" hangingPunct="0">
+              <a:spcBef>
+                <a:spcPct val="0"/>
+              </a:spcBef>
+              <a:spcAft>
+                <a:spcPct val="0"/>
+              </a:spcAft>
+              <a:defRPr>
+                <a:solidFill>
+                  <a:schemeClr val="tx1"/>
+                </a:solidFill>
+                <a:latin typeface="Arial" panose="020B0604020202020204" pitchFamily="34" charset="0"/>
+              </a:defRPr>
+            </a:lvl8pPr>
+            <a:lvl9pPr marL="3657600" eaLnBrk="0" fontAlgn="base" hangingPunct="0">
+              <a:spcBef>
+                <a:spcPct val="0"/>
+              </a:spcBef>
+              <a:spcAft>
+                <a:spcPct val="0"/>
+              </a:spcAft>
+              <a:defRPr>
+                <a:solidFill>
+                  <a:schemeClr val="tx1"/>
+                </a:solidFill>
+                <a:latin typeface="Arial" panose="020B0604020202020204" pitchFamily="34" charset="0"/>
+              </a:defRPr>
+            </a:lvl9pPr>
+          </a:lstStyle>
+          <a:p>
+            <a:pPr marL="0" marR="0" lvl="0" indent="0" algn="l" defTabSz="914400" rtl="0" eaLnBrk="0" fontAlgn="base" latinLnBrk="0" hangingPunct="0">
+              <a:lnSpc>
+                <a:spcPct val="150000"/>
+              </a:lnSpc>
+              <a:spcBef>
+                <a:spcPct val="0"/>
+              </a:spcBef>
+              <a:spcAft>
+                <a:spcPct val="0"/>
+              </a:spcAft>
+              <a:buClrTx/>
+              <a:buSzTx/>
+              <a:buFontTx/>
+              <a:buNone/>
+              <a:tabLst/>
+            </a:pPr>
+            <a:r>
+              <a:rPr kumimoji="0" lang="pt-BR" altLang="pt-BR" sz="1200" b="0" i="0" u="none" strike="noStrike" cap="none" normalizeH="0" baseline="0" dirty="0">
+                <a:ln>
+                  <a:noFill/>
+                </a:ln>
+                <a:solidFill>
+                  <a:srgbClr val="161616"/>
+                </a:solidFill>
+                <a:effectLst/>
+                <a:latin typeface="Segoe UI" panose="020B0502040204020203" pitchFamily="34" charset="0"/>
+                <a:cs typeface="Segoe UI" panose="020B0502040204020203" pitchFamily="34" charset="0"/>
+              </a:rPr>
+              <a:t> </a:t>
+            </a:r>
+            <a:r>
+              <a:rPr lang="pt-BR" altLang="pt-BR" sz="2400" dirty="0">
+                <a:solidFill>
+                  <a:schemeClr val="bg1"/>
+                </a:solidFill>
+                <a:latin typeface="+mn-lt"/>
+              </a:rPr>
+              <a:t>Por exemplo, a palavra "hambúrguer" é dividida nos tokens </a:t>
+            </a:r>
+            <a:r>
+              <a:rPr lang="pt-BR" altLang="pt-BR" sz="2400" dirty="0" err="1">
+                <a:solidFill>
+                  <a:schemeClr val="bg1"/>
+                </a:solidFill>
+                <a:latin typeface="+mn-lt"/>
+              </a:rPr>
+              <a:t>ham</a:t>
+            </a:r>
+            <a:r>
+              <a:rPr lang="pt-BR" altLang="pt-BR" sz="2400" dirty="0">
+                <a:solidFill>
+                  <a:schemeClr val="bg1"/>
+                </a:solidFill>
+                <a:latin typeface="+mn-lt"/>
+              </a:rPr>
+              <a:t>, </a:t>
+            </a:r>
+            <a:r>
+              <a:rPr lang="pt-BR" altLang="pt-BR" sz="2400" dirty="0" err="1">
+                <a:solidFill>
+                  <a:schemeClr val="bg1"/>
+                </a:solidFill>
+                <a:latin typeface="+mn-lt"/>
+              </a:rPr>
+              <a:t>búr</a:t>
+            </a:r>
+            <a:r>
+              <a:rPr lang="pt-BR" altLang="pt-BR" sz="2400" dirty="0">
+                <a:solidFill>
+                  <a:schemeClr val="bg1"/>
+                </a:solidFill>
+                <a:latin typeface="+mn-lt"/>
+              </a:rPr>
+              <a:t> e </a:t>
+            </a:r>
+            <a:r>
+              <a:rPr lang="pt-BR" altLang="pt-BR" sz="2400" dirty="0" err="1">
+                <a:solidFill>
+                  <a:schemeClr val="bg1"/>
+                </a:solidFill>
+                <a:latin typeface="+mn-lt"/>
+              </a:rPr>
+              <a:t>guer</a:t>
+            </a:r>
+            <a:r>
+              <a:rPr lang="pt-BR" altLang="pt-BR" sz="2400" dirty="0">
+                <a:solidFill>
+                  <a:schemeClr val="bg1"/>
+                </a:solidFill>
+                <a:latin typeface="+mn-lt"/>
+              </a:rPr>
+              <a:t>, </a:t>
+            </a:r>
+          </a:p>
+          <a:p>
+            <a:pPr marL="0" marR="0" lvl="0" indent="0" algn="l" defTabSz="914400" rtl="0" eaLnBrk="0" fontAlgn="base" latinLnBrk="0" hangingPunct="0">
+              <a:lnSpc>
+                <a:spcPct val="150000"/>
+              </a:lnSpc>
+              <a:spcBef>
+                <a:spcPct val="0"/>
+              </a:spcBef>
+              <a:spcAft>
+                <a:spcPct val="0"/>
+              </a:spcAft>
+              <a:buClrTx/>
+              <a:buSzTx/>
+              <a:buFontTx/>
+              <a:buNone/>
+              <a:tabLst/>
+            </a:pPr>
+            <a:r>
+              <a:rPr lang="pt-BR" altLang="pt-BR" sz="2400" dirty="0">
+                <a:solidFill>
+                  <a:schemeClr val="bg1"/>
+                </a:solidFill>
+                <a:latin typeface="+mn-lt"/>
+              </a:rPr>
+              <a:t>enquanto uma palavras curtas e comuns como “Pera, </a:t>
+            </a:r>
+            <a:r>
+              <a:rPr lang="pt-BR" sz="2400" dirty="0">
+                <a:solidFill>
+                  <a:schemeClr val="bg1"/>
+                </a:solidFill>
+              </a:rPr>
+              <a:t>Pará</a:t>
+            </a:r>
+            <a:r>
+              <a:rPr lang="pt-BR" altLang="pt-BR" sz="2400" dirty="0">
+                <a:solidFill>
+                  <a:schemeClr val="bg1"/>
+                </a:solidFill>
+                <a:latin typeface="+mn-lt"/>
+              </a:rPr>
+              <a:t>" é um único token</a:t>
+            </a:r>
+          </a:p>
+          <a:p>
+            <a:pPr marL="0" marR="0" lvl="0" indent="0" algn="l" defTabSz="914400" rtl="0" eaLnBrk="0" fontAlgn="base" latinLnBrk="0" hangingPunct="0">
+              <a:lnSpc>
+                <a:spcPct val="150000"/>
+              </a:lnSpc>
+              <a:spcBef>
+                <a:spcPct val="0"/>
+              </a:spcBef>
+              <a:spcAft>
+                <a:spcPct val="0"/>
+              </a:spcAft>
+              <a:buClrTx/>
+              <a:buSzTx/>
+              <a:buFontTx/>
+              <a:buNone/>
+              <a:tabLst/>
+            </a:pPr>
+            <a:endParaRPr lang="pt-BR" altLang="pt-BR" sz="2400" dirty="0">
+              <a:solidFill>
+                <a:schemeClr val="bg1"/>
+              </a:solidFill>
+              <a:latin typeface="+mn-lt"/>
+            </a:endParaRPr>
+          </a:p>
+          <a:p>
+            <a:pPr marL="0" marR="0" lvl="0" indent="0" algn="l" defTabSz="914400" rtl="0" eaLnBrk="0" fontAlgn="base" latinLnBrk="0" hangingPunct="0">
+              <a:lnSpc>
+                <a:spcPct val="150000"/>
+              </a:lnSpc>
+              <a:spcBef>
+                <a:spcPct val="0"/>
+              </a:spcBef>
+              <a:spcAft>
+                <a:spcPct val="0"/>
+              </a:spcAft>
+              <a:buClrTx/>
+              <a:buSzTx/>
+              <a:buFontTx/>
+              <a:buNone/>
+              <a:tabLst/>
+            </a:pPr>
+            <a:endParaRPr lang="pt-BR" altLang="pt-BR" sz="2400" dirty="0">
+              <a:solidFill>
+                <a:schemeClr val="bg1"/>
+              </a:solidFill>
+              <a:latin typeface="+mn-lt"/>
+            </a:endParaRPr>
+          </a:p>
+          <a:p>
+            <a:pPr marL="0" marR="0" lvl="0" indent="0" algn="l" defTabSz="914400" rtl="0" eaLnBrk="0" fontAlgn="base" latinLnBrk="0" hangingPunct="0">
+              <a:lnSpc>
+                <a:spcPct val="150000"/>
+              </a:lnSpc>
+              <a:spcBef>
+                <a:spcPct val="0"/>
+              </a:spcBef>
+              <a:spcAft>
+                <a:spcPct val="0"/>
+              </a:spcAft>
+              <a:buClrTx/>
+              <a:buSzTx/>
+              <a:buFontTx/>
+              <a:buNone/>
+              <a:tabLst/>
+            </a:pPr>
+            <a:endParaRPr lang="pt-BR" altLang="pt-BR" sz="2400" dirty="0">
+              <a:solidFill>
+                <a:schemeClr val="bg1"/>
+              </a:solidFill>
+              <a:latin typeface="+mn-lt"/>
+            </a:endParaRPr>
+          </a:p>
+          <a:p>
+            <a:pPr marL="0" marR="0" lvl="0" indent="0" algn="l" defTabSz="914400" rtl="0" eaLnBrk="0" fontAlgn="base" latinLnBrk="0" hangingPunct="0">
+              <a:lnSpc>
+                <a:spcPct val="150000"/>
+              </a:lnSpc>
+              <a:spcBef>
+                <a:spcPct val="0"/>
+              </a:spcBef>
+              <a:spcAft>
+                <a:spcPct val="0"/>
+              </a:spcAft>
+              <a:buClrTx/>
+              <a:buSzTx/>
+              <a:buFontTx/>
+              <a:buNone/>
+              <a:tabLst/>
+            </a:pPr>
+            <a:endParaRPr lang="pt-BR" altLang="pt-BR" sz="2400" dirty="0">
+              <a:solidFill>
+                <a:schemeClr val="bg1"/>
+              </a:solidFill>
+              <a:latin typeface="+mn-lt"/>
+            </a:endParaRPr>
+          </a:p>
+          <a:p>
+            <a:pPr marL="0" marR="0" lvl="0" indent="0" algn="l" defTabSz="914400" rtl="0" eaLnBrk="0" fontAlgn="base" latinLnBrk="0" hangingPunct="0">
+              <a:lnSpc>
+                <a:spcPct val="150000"/>
+              </a:lnSpc>
+              <a:spcBef>
+                <a:spcPct val="0"/>
+              </a:spcBef>
+              <a:spcAft>
+                <a:spcPct val="0"/>
+              </a:spcAft>
+              <a:buClrTx/>
+              <a:buSzTx/>
+              <a:buFontTx/>
+              <a:buNone/>
+              <a:tabLst/>
+            </a:pPr>
+            <a:r>
+              <a:rPr lang="pt-BR" altLang="pt-BR" sz="2400" dirty="0">
+                <a:solidFill>
+                  <a:schemeClr val="bg1"/>
+                </a:solidFill>
+                <a:latin typeface="+mn-lt"/>
+              </a:rPr>
+              <a:t>Fonte: https://learn.microsoft.com/pt-br/training/</a:t>
+            </a:r>
+          </a:p>
+          <a:p>
+            <a:pPr marL="0" marR="0" lvl="0" indent="0" algn="l" defTabSz="914400" rtl="0" eaLnBrk="0" fontAlgn="base" latinLnBrk="0" hangingPunct="0">
+              <a:lnSpc>
+                <a:spcPct val="150000"/>
+              </a:lnSpc>
+              <a:spcBef>
+                <a:spcPct val="0"/>
+              </a:spcBef>
+              <a:spcAft>
+                <a:spcPct val="0"/>
+              </a:spcAft>
+              <a:buClrTx/>
+              <a:buSzTx/>
+              <a:buFontTx/>
+              <a:buNone/>
+              <a:tabLst/>
+            </a:pPr>
+            <a:r>
+              <a:rPr lang="pt-BR" altLang="pt-BR" sz="2400" dirty="0">
+                <a:solidFill>
+                  <a:schemeClr val="bg1"/>
+                </a:solidFill>
+                <a:latin typeface="+mn-lt"/>
+              </a:rPr>
+              <a:t>modules/explore-</a:t>
+            </a:r>
+            <a:r>
+              <a:rPr lang="pt-BR" altLang="pt-BR" sz="2400" dirty="0" err="1">
+                <a:solidFill>
+                  <a:schemeClr val="bg1"/>
+                </a:solidFill>
+                <a:latin typeface="+mn-lt"/>
+              </a:rPr>
+              <a:t>azure</a:t>
+            </a:r>
+            <a:r>
+              <a:rPr lang="pt-BR" altLang="pt-BR" sz="2400" dirty="0">
+                <a:solidFill>
+                  <a:schemeClr val="bg1"/>
+                </a:solidFill>
+                <a:latin typeface="+mn-lt"/>
+              </a:rPr>
+              <a:t>-</a:t>
+            </a:r>
+            <a:r>
+              <a:rPr lang="pt-BR" altLang="pt-BR" sz="2400" dirty="0" err="1">
+                <a:solidFill>
+                  <a:schemeClr val="bg1"/>
+                </a:solidFill>
+                <a:latin typeface="+mn-lt"/>
+              </a:rPr>
+              <a:t>openai</a:t>
+            </a:r>
+            <a:r>
+              <a:rPr lang="pt-BR" altLang="pt-BR" sz="2400" dirty="0">
+                <a:solidFill>
+                  <a:schemeClr val="bg1"/>
+                </a:solidFill>
+                <a:latin typeface="+mn-lt"/>
+              </a:rPr>
+              <a:t>/5-understand-openai-natural-language</a:t>
+            </a:r>
+          </a:p>
+        </p:txBody>
+      </p:sp>
+      <p:pic>
+        <p:nvPicPr>
+          <p:cNvPr id="4" name="Imagem 3">
+            <a:extLst>
+              <a:ext uri="{FF2B5EF4-FFF2-40B4-BE49-F238E27FC236}">
+                <a16:creationId xmlns:a16="http://schemas.microsoft.com/office/drawing/2014/main" id="{43B20A62-C8A7-8891-9DE2-3A0F29931F43}"/>
+              </a:ext>
+            </a:extLst>
+          </p:cNvPr>
+          <p:cNvPicPr>
+            <a:picLocks noChangeAspect="1"/>
+          </p:cNvPicPr>
+          <p:nvPr/>
+        </p:nvPicPr>
+        <p:blipFill>
+          <a:blip r:embed="rId3"/>
+          <a:stretch>
+            <a:fillRect/>
+          </a:stretch>
+        </p:blipFill>
+        <p:spPr>
+          <a:xfrm>
+            <a:off x="372638" y="3233865"/>
+            <a:ext cx="10739336" cy="1743337"/>
+          </a:xfrm>
+          <a:prstGeom prst="rect">
+            <a:avLst/>
+          </a:prstGeom>
+        </p:spPr>
+      </p:pic>
+    </p:spTree>
+    <p:extLst>
+      <p:ext uri="{BB962C8B-B14F-4D97-AF65-F5344CB8AC3E}">
+        <p14:creationId xmlns:p14="http://schemas.microsoft.com/office/powerpoint/2010/main" val="931075014"/>
+      </p:ext>
+    </p:extLst>
+  </p:cSld>
+  <p:clrMapOvr>
+    <a:masterClrMapping/>
+  </p:clrMapOvr>
+  <mc:AlternateContent xmlns:mc="http://schemas.openxmlformats.org/markup-compatibility/2006" xmlns:p14="http://schemas.microsoft.com/office/powerpoint/2010/main">
+    <mc:Choice Requires="p14">
+      <p:transition spd="med" p14:dur="700">
+        <p:fade/>
+      </p:transition>
+    </mc:Choice>
+    <mc:Fallback xmlns="">
+      <p:transition spd="med">
+        <p:fade/>
+      </p:transition>
+    </mc:Fallback>
+  </mc:AlternateContent>
+</p:sld>
+</file>
+
+<file path=ppt/slides/slide8.xml><?xml version="1.0" encoding="utf-8"?>
+<p:sld xmlns:a="http://schemas.openxmlformats.org/drawingml/2006/main" xmlns:r="http://schemas.openxmlformats.org/officeDocument/2006/relationships" xmlns:p="http://schemas.openxmlformats.org/presentationml/2006/main">
+  <p:cSld>
+    <p:spTree>
+      <p:nvGrpSpPr>
+        <p:cNvPr id="1" name=""/>
+        <p:cNvGrpSpPr/>
+        <p:nvPr/>
+      </p:nvGrpSpPr>
+      <p:grpSpPr>
+        <a:xfrm>
+          <a:off x="0" y="0"/>
+          <a:ext cx="0" cy="0"/>
+          <a:chOff x="0" y="0"/>
+          <a:chExt cx="0" cy="0"/>
+        </a:xfrm>
+      </p:grpSpPr>
       <p:sp>
         <p:nvSpPr>
           <p:cNvPr id="6" name="Espaço Reservado para Texto 2">
@@ -27404,8 +27081,8 @@
         </p:nvSpPr>
         <p:spPr>
           <a:xfrm>
-            <a:off x="451338" y="803485"/>
-            <a:ext cx="9795376" cy="923330"/>
+            <a:off x="438638" y="568535"/>
+            <a:ext cx="9795376" cy="4862870"/>
           </a:xfrm>
           <a:prstGeom prst="rect">
             <a:avLst/>
@@ -27605,52 +27282,173 @@
           </a:lstStyle>
           <a:p>
             <a:r>
-              <a:rPr lang="pt-BR" sz="4800" dirty="0"/>
-              <a:t>Localização dos Recursos</a:t>
-            </a:r>
+              <a:rPr lang="pt-BR" sz="4400" dirty="0"/>
+              <a:t>Melhorias da Task de </a:t>
+            </a:r>
+            <a:r>
+              <a:rPr lang="pt-BR" sz="4400" dirty="0" err="1"/>
+              <a:t>pullrequest</a:t>
+            </a:r>
+            <a:endParaRPr lang="pt-BR" sz="4400" dirty="0"/>
+          </a:p>
+          <a:p>
+            <a:endParaRPr lang="pt-BR" sz="4400" dirty="0"/>
+          </a:p>
+          <a:p>
+            <a:r>
+              <a:rPr lang="pt-BR" sz="2400" dirty="0"/>
+              <a:t>1- Resposta em </a:t>
+            </a:r>
+            <a:r>
+              <a:rPr lang="pt-BR" sz="2400" dirty="0" err="1"/>
+              <a:t>pt</a:t>
+            </a:r>
+            <a:r>
+              <a:rPr lang="pt-BR" sz="2400" dirty="0"/>
+              <a:t>/</a:t>
+            </a:r>
+            <a:r>
+              <a:rPr lang="pt-BR" sz="2400" dirty="0" err="1"/>
+              <a:t>br</a:t>
+            </a:r>
+            <a:r>
+              <a:rPr lang="pt-BR" sz="2400" dirty="0"/>
+              <a:t>;</a:t>
+            </a:r>
+          </a:p>
+          <a:p>
+            <a:r>
+              <a:rPr lang="pt-BR" sz="2400" dirty="0"/>
+              <a:t>2- Permite para limitar quantidade de tokens de conclusão;</a:t>
+            </a:r>
+          </a:p>
+          <a:p>
+            <a:r>
+              <a:rPr lang="pt-BR" sz="2400" dirty="0"/>
+              <a:t>3- Permite para remover extensões de revisão, ex.(.</a:t>
+            </a:r>
+            <a:r>
+              <a:rPr lang="pt-BR" sz="2400" dirty="0" err="1"/>
+              <a:t>csproj</a:t>
+            </a:r>
+            <a:r>
+              <a:rPr lang="pt-BR" sz="2400" dirty="0"/>
+              <a:t>, </a:t>
+            </a:r>
+            <a:r>
+              <a:rPr lang="pt-BR" sz="2400" dirty="0" err="1"/>
+              <a:t>yarn.lock</a:t>
+            </a:r>
+            <a:r>
+              <a:rPr lang="pt-BR" sz="2400" dirty="0"/>
+              <a:t>);</a:t>
+            </a:r>
+          </a:p>
+          <a:p>
+            <a:r>
+              <a:rPr lang="pt-BR" sz="2400" dirty="0"/>
+              <a:t>4- Permite informar temperatura(entre 0 e 2);</a:t>
+            </a:r>
+          </a:p>
+          <a:p>
+            <a:r>
+              <a:rPr lang="pt-BR" sz="2400" dirty="0"/>
+              <a:t>5- Permite informar um prompt adicional;</a:t>
+            </a:r>
+          </a:p>
+          <a:p>
+            <a:r>
+              <a:rPr lang="pt-BR" sz="2400" dirty="0"/>
+              <a:t>6- Permite uso em https e http(</a:t>
+            </a:r>
+            <a:r>
+              <a:rPr lang="pt-BR" sz="2400" dirty="0" err="1"/>
+              <a:t>devops</a:t>
+            </a:r>
+            <a:r>
+              <a:rPr lang="pt-BR" sz="2400" dirty="0"/>
+              <a:t> server);</a:t>
+            </a:r>
+          </a:p>
+          <a:p>
+            <a:r>
+              <a:rPr lang="pt-BR" sz="2400" dirty="0"/>
+              <a:t>7- Compatível com os modelos 3.5, 4 e 4o;</a:t>
+            </a:r>
+          </a:p>
+          <a:p>
+            <a:r>
+              <a:rPr lang="pt-BR" sz="2400" dirty="0"/>
+              <a:t>8- Melhorias e vários testes com o prompt default.</a:t>
+            </a:r>
+          </a:p>
+          <a:p>
+            <a:endParaRPr lang="pt-BR" sz="2400" dirty="0"/>
           </a:p>
         </p:txBody>
       </p:sp>
-      <p:pic>
-        <p:nvPicPr>
-          <p:cNvPr id="10" name="Imagem 9">
+      <p:sp>
+        <p:nvSpPr>
+          <p:cNvPr id="2" name="CaixaDeTexto 1">
             <a:extLst>
               <a:ext uri="{FF2B5EF4-FFF2-40B4-BE49-F238E27FC236}">
-                <a16:creationId xmlns:a16="http://schemas.microsoft.com/office/drawing/2014/main" id="{641BE21B-644C-A5E7-017E-3EC70D9A16BB}"/>
+                <a16:creationId xmlns:a16="http://schemas.microsoft.com/office/drawing/2014/main" id="{27BC8827-B468-5DBD-2B7C-BB21981B4462}"/>
               </a:ext>
             </a:extLst>
           </p:cNvPr>
-          <p:cNvPicPr>
-            <a:picLocks noChangeAspect="1"/>
-          </p:cNvPicPr>
+          <p:cNvSpPr txBox="1"/>
           <p:nvPr/>
-        </p:nvPicPr>
-        <p:blipFill>
-          <a:blip r:embed="rId2"/>
-          <a:stretch>
-            <a:fillRect/>
-          </a:stretch>
-        </p:blipFill>
+        </p:nvSpPr>
         <p:spPr>
           <a:xfrm>
-            <a:off x="4510796" y="2288240"/>
-            <a:ext cx="2541757" cy="2418044"/>
+            <a:off x="268666" y="5164291"/>
+            <a:ext cx="10818434" cy="769441"/>
           </a:xfrm>
           <a:prstGeom prst="rect">
             <a:avLst/>
           </a:prstGeom>
-          <a:ln>
-            <a:noFill/>
-          </a:ln>
-          <a:effectLst>
-            <a:softEdge rad="112500"/>
-          </a:effectLst>
+          <a:noFill/>
         </p:spPr>
-      </p:pic>
+        <p:txBody>
+          <a:bodyPr wrap="square">
+            <a:spAutoFit/>
+          </a:bodyPr>
+          <a:lstStyle/>
+          <a:p>
+            <a:r>
+              <a:rPr lang="pt-BR" sz="2400" spc="-50" dirty="0">
+                <a:solidFill>
+                  <a:schemeClr val="bg2"/>
+                </a:solidFill>
+                <a:latin typeface="+mj-lt"/>
+                <a:hlinkClick r:id="rId3"/>
+              </a:rPr>
+              <a:t>https://www.jpcomp.com.br/</a:t>
+            </a:r>
+            <a:endParaRPr lang="pt-BR" sz="2400" spc="-50" dirty="0">
+              <a:solidFill>
+                <a:schemeClr val="bg2"/>
+              </a:solidFill>
+              <a:latin typeface="+mj-lt"/>
+            </a:endParaRPr>
+          </a:p>
+          <a:p>
+            <a:r>
+              <a:rPr lang="pt-BR" sz="2000" spc="-50" dirty="0">
+                <a:solidFill>
+                  <a:schemeClr val="bg2"/>
+                </a:solidFill>
+                <a:latin typeface="+mj-lt"/>
+              </a:rPr>
+              <a:t>https://github.com/jpitapeva/extensao-devops-pull-request/blob/main/JPCompcombr/task.json</a:t>
+            </a:r>
+          </a:p>
+        </p:txBody>
+      </p:sp>
     </p:spTree>
     <p:extLst>
       <p:ext uri="{BB962C8B-B14F-4D97-AF65-F5344CB8AC3E}">
-        <p14:creationId xmlns:p14="http://schemas.microsoft.com/office/powerpoint/2010/main" val="2531184178"/>
+        <p14:creationId xmlns:p14="http://schemas.microsoft.com/office/powerpoint/2010/main" val="416104535"/>
       </p:ext>
     </p:extLst>
   </p:cSld>
@@ -27706,7 +27504,7 @@
         <p:spPr>
           <a:xfrm>
             <a:off x="451338" y="803485"/>
-            <a:ext cx="9795376" cy="4862870"/>
+            <a:ext cx="9795376" cy="923330"/>
           </a:xfrm>
           <a:prstGeom prst="rect">
             <a:avLst/>
@@ -27906,147 +27704,8 @@
           </a:lstStyle>
           <a:p>
             <a:r>
-              <a:rPr lang="pt-BR" sz="4400" dirty="0"/>
-              <a:t>Melhorias da Task de </a:t>
-            </a:r>
-            <a:r>
-              <a:rPr lang="pt-BR" sz="4400" dirty="0" err="1"/>
-              <a:t>pullrequest</a:t>
-            </a:r>
-            <a:endParaRPr lang="pt-BR" sz="4400" dirty="0"/>
-          </a:p>
-          <a:p>
-            <a:endParaRPr lang="pt-BR" sz="4400" dirty="0"/>
-          </a:p>
-          <a:p>
-            <a:r>
-              <a:rPr lang="pt-BR" sz="2400" dirty="0"/>
-              <a:t>1- Resposta em </a:t>
-            </a:r>
-            <a:r>
-              <a:rPr lang="pt-BR" sz="2400" dirty="0" err="1"/>
-              <a:t>pt</a:t>
-            </a:r>
-            <a:r>
-              <a:rPr lang="pt-BR" sz="2400" dirty="0"/>
-              <a:t>/</a:t>
-            </a:r>
-            <a:r>
-              <a:rPr lang="pt-BR" sz="2400" dirty="0" err="1"/>
-              <a:t>br</a:t>
-            </a:r>
-            <a:r>
-              <a:rPr lang="pt-BR" sz="2400" dirty="0"/>
-              <a:t>;</a:t>
-            </a:r>
-          </a:p>
-          <a:p>
-            <a:r>
-              <a:rPr lang="pt-BR" sz="2400" dirty="0"/>
-              <a:t>2- Permite para limitar quantidade de tokens de conclusão;</a:t>
-            </a:r>
-          </a:p>
-          <a:p>
-            <a:r>
-              <a:rPr lang="pt-BR" sz="2400" dirty="0"/>
-              <a:t>3- Permite para remover extensões de revisão, ex.(.</a:t>
-            </a:r>
-            <a:r>
-              <a:rPr lang="pt-BR" sz="2400" dirty="0" err="1"/>
-              <a:t>csproj</a:t>
-            </a:r>
-            <a:r>
-              <a:rPr lang="pt-BR" sz="2400" dirty="0"/>
-              <a:t>, </a:t>
-            </a:r>
-            <a:r>
-              <a:rPr lang="pt-BR" sz="2400" dirty="0" err="1"/>
-              <a:t>yarn.lock</a:t>
-            </a:r>
-            <a:r>
-              <a:rPr lang="pt-BR" sz="2400" dirty="0"/>
-              <a:t>);</a:t>
-            </a:r>
-          </a:p>
-          <a:p>
-            <a:r>
-              <a:rPr lang="pt-BR" sz="2400" dirty="0"/>
-              <a:t>4- Permite informar temperatura(entre 0 e 2);</a:t>
-            </a:r>
-          </a:p>
-          <a:p>
-            <a:r>
-              <a:rPr lang="pt-BR" sz="2400" dirty="0"/>
-              <a:t>5- Permite informar um prompt adicional;</a:t>
-            </a:r>
-          </a:p>
-          <a:p>
-            <a:r>
-              <a:rPr lang="pt-BR" sz="2400" dirty="0"/>
-              <a:t>6- Permite uso em https e http(</a:t>
-            </a:r>
-            <a:r>
-              <a:rPr lang="pt-BR" sz="2400" dirty="0" err="1"/>
-              <a:t>devops</a:t>
-            </a:r>
-            <a:r>
-              <a:rPr lang="pt-BR" sz="2400" dirty="0"/>
-              <a:t> server);</a:t>
-            </a:r>
-          </a:p>
-          <a:p>
-            <a:r>
-              <a:rPr lang="pt-BR" sz="2400" dirty="0"/>
-              <a:t>7- Compatível com os modelos 3.5, 4 e 4o;</a:t>
-            </a:r>
-          </a:p>
-          <a:p>
-            <a:r>
-              <a:rPr lang="pt-BR" sz="2400" dirty="0"/>
-              <a:t>8- Melhorias e vários testes com o token default.</a:t>
-            </a:r>
-          </a:p>
-          <a:p>
-            <a:endParaRPr lang="pt-BR" sz="2400" dirty="0"/>
-          </a:p>
-        </p:txBody>
-      </p:sp>
-      <p:sp>
-        <p:nvSpPr>
-          <p:cNvPr id="2" name="CaixaDeTexto 1">
-            <a:extLst>
-              <a:ext uri="{FF2B5EF4-FFF2-40B4-BE49-F238E27FC236}">
-                <a16:creationId xmlns:a16="http://schemas.microsoft.com/office/drawing/2014/main" id="{27BC8827-B468-5DBD-2B7C-BB21981B4462}"/>
-              </a:ext>
-            </a:extLst>
-          </p:cNvPr>
-          <p:cNvSpPr txBox="1"/>
-          <p:nvPr/>
-        </p:nvSpPr>
-        <p:spPr>
-          <a:xfrm>
-            <a:off x="313116" y="5526241"/>
-            <a:ext cx="7188759" cy="461665"/>
-          </a:xfrm>
-          <a:prstGeom prst="rect">
-            <a:avLst/>
-          </a:prstGeom>
-          <a:noFill/>
-        </p:spPr>
-        <p:txBody>
-          <a:bodyPr wrap="square">
-            <a:spAutoFit/>
-          </a:bodyPr>
-          <a:lstStyle/>
-          <a:p>
-            <a:r>
-              <a:rPr lang="pt-BR" sz="2400" spc="-50" dirty="0">
-                <a:solidFill>
-                  <a:schemeClr val="bg2"/>
-                </a:solidFill>
-                <a:latin typeface="+mj-lt"/>
-              </a:rPr>
-              <a:t>https://www.jpcomp.com.br/</a:t>
+              <a:rPr lang="pt-BR" sz="4800" dirty="0"/>
+              <a:t>Demo</a:t>
             </a:r>
           </a:p>
         </p:txBody>
@@ -28054,7 +27713,7 @@
     </p:spTree>
     <p:extLst>
       <p:ext uri="{BB962C8B-B14F-4D97-AF65-F5344CB8AC3E}">
-        <p14:creationId xmlns:p14="http://schemas.microsoft.com/office/powerpoint/2010/main" val="416104535"/>
+        <p14:creationId xmlns:p14="http://schemas.microsoft.com/office/powerpoint/2010/main" val="2918752199"/>
       </p:ext>
     </p:extLst>
   </p:cSld>
@@ -29247,6 +28906,15 @@
 </file>
 
 <file path=customXml/item1.xml><?xml version="1.0" encoding="utf-8"?>
+<?mso-contentType ?>
+<FormTemplates xmlns="http://schemas.microsoft.com/sharepoint/v3/contenttype/forms">
+  <Display>DocumentLibraryForm</Display>
+  <Edit>DocumentLibraryForm</Edit>
+  <New>DocumentLibraryForm</New>
+</FormTemplates>
+</file>
+
+<file path=customXml/item2.xml><?xml version="1.0" encoding="utf-8"?>
 <ct:contentTypeSchema xmlns:ct="http://schemas.microsoft.com/office/2006/metadata/contentType" xmlns:ma="http://schemas.microsoft.com/office/2006/metadata/properties/metaAttributes" ct:_="" ma:_="" ma:contentTypeName="Document" ma:contentTypeID="0x010100C19B4546D391A349BE05AD29F9530504" ma:contentTypeVersion="8" ma:contentTypeDescription="Create a new document." ma:contentTypeScope="" ma:versionID="abefe0faccb33ea1c30b003d8120f948">
   <xsd:schema xmlns:xsd="http://www.w3.org/2001/XMLSchema" xmlns:xs="http://www.w3.org/2001/XMLSchema" xmlns:p="http://schemas.microsoft.com/office/2006/metadata/properties" xmlns:ns2="573658d2-825f-470e-8b88-a4a2deb94391" xmlns:ns3="9537331d-6386-4ea3-bab7-14a523f5dc52" targetNamespace="http://schemas.microsoft.com/office/2006/metadata/properties" ma:root="true" ma:fieldsID="aea6fda388b4fa532bd11596e8506557" ns2:_="" ns3:_="">
     <xsd:import namespace="573658d2-825f-470e-8b88-a4a2deb94391"/>
@@ -29423,15 +29091,6 @@
 </ct:contentTypeSchema>
 </file>
 
-<file path=customXml/item2.xml><?xml version="1.0" encoding="utf-8"?>
-<?mso-contentType ?>
-<FormTemplates xmlns="http://schemas.microsoft.com/sharepoint/v3/contenttype/forms">
-  <Display>DocumentLibraryForm</Display>
-  <Edit>DocumentLibraryForm</Edit>
-  <New>DocumentLibraryForm</New>
-</FormTemplates>
-</file>
-
 <file path=customXml/item3.xml><?xml version="1.0" encoding="utf-8"?>
 <p:properties xmlns:p="http://schemas.microsoft.com/office/2006/metadata/properties" xmlns:xsi="http://www.w3.org/2001/XMLSchema-instance" xmlns:pc="http://schemas.microsoft.com/office/infopath/2007/PartnerControls">
   <documentManagement>
@@ -29444,6 +29103,14 @@
 </file>
 
 <file path=customXml/itemProps1.xml><?xml version="1.0" encoding="utf-8"?>
+<ds:datastoreItem xmlns:ds="http://schemas.openxmlformats.org/officeDocument/2006/customXml" ds:itemID="{758FDAC0-319D-4A54-8D8E-1D42CB1F8004}">
+  <ds:schemaRefs>
+    <ds:schemaRef ds:uri="http://schemas.microsoft.com/sharepoint/v3/contenttype/forms"/>
+  </ds:schemaRefs>
+</ds:datastoreItem>
+</file>
+
+<file path=customXml/itemProps2.xml><?xml version="1.0" encoding="utf-8"?>
 <ds:datastoreItem xmlns:ds="http://schemas.openxmlformats.org/officeDocument/2006/customXml" ds:itemID="{614BD38F-8FF7-405C-9634-7E23E9D27E95}">
   <ds:schemaRefs>
     <ds:schemaRef ds:uri="573658d2-825f-470e-8b88-a4a2deb94391"/>
@@ -29458,14 +29125,6 @@
     <ds:schemaRef ds:uri="http://schemas.microsoft.com/office/infopath/2007/PartnerControls"/>
     <ds:schemaRef ds:uri="http://schemas.openxmlformats.org/package/2006/metadata/core-properties"/>
     <ds:schemaRef ds:uri="http://www.w3.org/2001/XMLSchema"/>
-  </ds:schemaRefs>
-</ds:datastoreItem>
-</file>
-
-<file path=customXml/itemProps2.xml><?xml version="1.0" encoding="utf-8"?>
-<ds:datastoreItem xmlns:ds="http://schemas.openxmlformats.org/officeDocument/2006/customXml" ds:itemID="{758FDAC0-319D-4A54-8D8E-1D42CB1F8004}">
-  <ds:schemaRefs>
-    <ds:schemaRef ds:uri="http://schemas.microsoft.com/sharepoint/v3/contenttype/forms"/>
   </ds:schemaRefs>
 </ds:datastoreItem>
 </file>

--- a/docs/AzureOpenAI.pptx
+++ b/docs/AzureOpenAI.pptx
@@ -3140,7 +3140,7 @@
               <a:rPr lang="en-US" smtClean="0">
                 <a:latin typeface="Segoe UI" pitchFamily="34" charset="0"/>
               </a:rPr>
-              <a:t>8/6/2024 1:30 PM</a:t>
+              <a:t>8/6/2024 1:34 PM</a:t>
             </a:fld>
             <a:endParaRPr lang="en-US">
               <a:latin typeface="Segoe UI" pitchFamily="34" charset="0"/>
@@ -3418,7 +3418,7 @@
           <a:p>
             <a:fld id="{DCE60099-03E7-4FA1-8A7F-E6E6CFB0F855}" type="datetime8">
               <a:rPr lang="en-US" smtClean="0"/>
-              <a:t>8/6/2024 1:30 PM</a:t>
+              <a:t>8/6/2024 1:34 PM</a:t>
             </a:fld>
             <a:endParaRPr lang="en-US"/>
           </a:p>
@@ -27319,13 +27319,13 @@
           <a:p>
             <a:r>
               <a:rPr lang="pt-BR" sz="2400" dirty="0"/>
-              <a:t>2- Permite para limitar quantidade de tokens de conclusão;</a:t>
+              <a:t>2- Permite limitar quantidade de tokens de conclusão;</a:t>
             </a:r>
           </a:p>
           <a:p>
             <a:r>
               <a:rPr lang="pt-BR" sz="2400" dirty="0"/>
-              <a:t>3- Permite para remover extensões de revisão, ex.(.</a:t>
+              <a:t>3- Permite remover extensões da revisão, ex.(.</a:t>
             </a:r>
             <a:r>
               <a:rPr lang="pt-BR" sz="2400" dirty="0" err="1"/>
@@ -27379,7 +27379,15 @@
           <a:p>
             <a:r>
               <a:rPr lang="pt-BR" sz="2400" dirty="0"/>
-              <a:t>8- Melhorias e vários testes com o prompt default.</a:t>
+              <a:t>8- Melhorias e vários testes </a:t>
+            </a:r>
+            <a:r>
+              <a:rPr lang="pt-BR" sz="2400"/>
+              <a:t>usando o </a:t>
+            </a:r>
+            <a:r>
+              <a:rPr lang="pt-BR" sz="2400" dirty="0"/>
+              <a:t>prompt default.</a:t>
             </a:r>
           </a:p>
           <a:p>
@@ -28906,15 +28914,6 @@
 </file>
 
 <file path=customXml/item1.xml><?xml version="1.0" encoding="utf-8"?>
-<?mso-contentType ?>
-<FormTemplates xmlns="http://schemas.microsoft.com/sharepoint/v3/contenttype/forms">
-  <Display>DocumentLibraryForm</Display>
-  <Edit>DocumentLibraryForm</Edit>
-  <New>DocumentLibraryForm</New>
-</FormTemplates>
-</file>
-
-<file path=customXml/item2.xml><?xml version="1.0" encoding="utf-8"?>
 <ct:contentTypeSchema xmlns:ct="http://schemas.microsoft.com/office/2006/metadata/contentType" xmlns:ma="http://schemas.microsoft.com/office/2006/metadata/properties/metaAttributes" ct:_="" ma:_="" ma:contentTypeName="Document" ma:contentTypeID="0x010100C19B4546D391A349BE05AD29F9530504" ma:contentTypeVersion="8" ma:contentTypeDescription="Create a new document." ma:contentTypeScope="" ma:versionID="abefe0faccb33ea1c30b003d8120f948">
   <xsd:schema xmlns:xsd="http://www.w3.org/2001/XMLSchema" xmlns:xs="http://www.w3.org/2001/XMLSchema" xmlns:p="http://schemas.microsoft.com/office/2006/metadata/properties" xmlns:ns2="573658d2-825f-470e-8b88-a4a2deb94391" xmlns:ns3="9537331d-6386-4ea3-bab7-14a523f5dc52" targetNamespace="http://schemas.microsoft.com/office/2006/metadata/properties" ma:root="true" ma:fieldsID="aea6fda388b4fa532bd11596e8506557" ns2:_="" ns3:_="">
     <xsd:import namespace="573658d2-825f-470e-8b88-a4a2deb94391"/>
@@ -29091,6 +29090,15 @@
 </ct:contentTypeSchema>
 </file>
 
+<file path=customXml/item2.xml><?xml version="1.0" encoding="utf-8"?>
+<?mso-contentType ?>
+<FormTemplates xmlns="http://schemas.microsoft.com/sharepoint/v3/contenttype/forms">
+  <Display>DocumentLibraryForm</Display>
+  <Edit>DocumentLibraryForm</Edit>
+  <New>DocumentLibraryForm</New>
+</FormTemplates>
+</file>
+
 <file path=customXml/item3.xml><?xml version="1.0" encoding="utf-8"?>
 <p:properties xmlns:p="http://schemas.microsoft.com/office/2006/metadata/properties" xmlns:xsi="http://www.w3.org/2001/XMLSchema-instance" xmlns:pc="http://schemas.microsoft.com/office/infopath/2007/PartnerControls">
   <documentManagement>
@@ -29103,14 +29111,6 @@
 </file>
 
 <file path=customXml/itemProps1.xml><?xml version="1.0" encoding="utf-8"?>
-<ds:datastoreItem xmlns:ds="http://schemas.openxmlformats.org/officeDocument/2006/customXml" ds:itemID="{758FDAC0-319D-4A54-8D8E-1D42CB1F8004}">
-  <ds:schemaRefs>
-    <ds:schemaRef ds:uri="http://schemas.microsoft.com/sharepoint/v3/contenttype/forms"/>
-  </ds:schemaRefs>
-</ds:datastoreItem>
-</file>
-
-<file path=customXml/itemProps2.xml><?xml version="1.0" encoding="utf-8"?>
 <ds:datastoreItem xmlns:ds="http://schemas.openxmlformats.org/officeDocument/2006/customXml" ds:itemID="{614BD38F-8FF7-405C-9634-7E23E9D27E95}">
   <ds:schemaRefs>
     <ds:schemaRef ds:uri="573658d2-825f-470e-8b88-a4a2deb94391"/>
@@ -29125,6 +29125,14 @@
     <ds:schemaRef ds:uri="http://schemas.microsoft.com/office/infopath/2007/PartnerControls"/>
     <ds:schemaRef ds:uri="http://schemas.openxmlformats.org/package/2006/metadata/core-properties"/>
     <ds:schemaRef ds:uri="http://www.w3.org/2001/XMLSchema"/>
+  </ds:schemaRefs>
+</ds:datastoreItem>
+</file>
+
+<file path=customXml/itemProps2.xml><?xml version="1.0" encoding="utf-8"?>
+<ds:datastoreItem xmlns:ds="http://schemas.openxmlformats.org/officeDocument/2006/customXml" ds:itemID="{758FDAC0-319D-4A54-8D8E-1D42CB1F8004}">
+  <ds:schemaRefs>
+    <ds:schemaRef ds:uri="http://schemas.microsoft.com/sharepoint/v3/contenttype/forms"/>
   </ds:schemaRefs>
 </ds:datastoreItem>
 </file>
